--- a/Presentations/2025/Introduction to Accessibility.pptx
+++ b/Presentations/2025/Introduction to Accessibility.pptx
@@ -5,18 +5,19 @@
     <p:sldMasterId id="2147483687" r:id="rId4"/>
   </p:sldMasterIdLst>
   <p:notesMasterIdLst>
-    <p:notesMasterId r:id="rId14"/>
+    <p:notesMasterId r:id="rId15"/>
   </p:notesMasterIdLst>
   <p:sldIdLst>
     <p:sldId id="1864" r:id="rId5"/>
     <p:sldId id="1845" r:id="rId6"/>
-    <p:sldId id="1846" r:id="rId7"/>
-    <p:sldId id="1848" r:id="rId8"/>
-    <p:sldId id="1866" r:id="rId9"/>
-    <p:sldId id="1863" r:id="rId10"/>
-    <p:sldId id="1852" r:id="rId11"/>
-    <p:sldId id="1865" r:id="rId12"/>
-    <p:sldId id="1859" r:id="rId13"/>
+    <p:sldId id="1867" r:id="rId7"/>
+    <p:sldId id="1846" r:id="rId8"/>
+    <p:sldId id="1848" r:id="rId9"/>
+    <p:sldId id="1866" r:id="rId10"/>
+    <p:sldId id="1863" r:id="rId11"/>
+    <p:sldId id="1852" r:id="rId12"/>
+    <p:sldId id="1865" r:id="rId13"/>
+    <p:sldId id="1859" r:id="rId14"/>
   </p:sldIdLst>
   <p:sldSz cx="12192000" cy="6858000"/>
   <p:notesSz cx="6858000" cy="9144000"/>
@@ -1155,7 +1156,7 @@
             <a:fld id="{6DEB7EE2-04A2-4FB2-9625-C9C73AC4D32F}" type="slidenum">
               <a:rPr lang="en-US" altLang="en-US" smtClean="0"/>
               <a:pPr/>
-              <a:t>3</a:t>
+              <a:t>4</a:t>
             </a:fld>
             <a:endParaRPr lang="en-US" altLang="en-US" dirty="0"/>
           </a:p>
@@ -1240,7 +1241,7 @@
             <a:fld id="{6DEB7EE2-04A2-4FB2-9625-C9C73AC4D32F}" type="slidenum">
               <a:rPr lang="en-US" altLang="en-US" smtClean="0"/>
               <a:pPr/>
-              <a:t>4</a:t>
+              <a:t>5</a:t>
             </a:fld>
             <a:endParaRPr lang="en-US" altLang="en-US" dirty="0"/>
           </a:p>
@@ -1349,7 +1350,7 @@
             <a:fld id="{6DEB7EE2-04A2-4FB2-9625-C9C73AC4D32F}" type="slidenum">
               <a:rPr lang="en-US" altLang="en-US" smtClean="0"/>
               <a:pPr/>
-              <a:t>5</a:t>
+              <a:t>6</a:t>
             </a:fld>
             <a:endParaRPr lang="en-US" altLang="en-US" dirty="0"/>
           </a:p>
@@ -1538,7 +1539,7 @@
             <a:fld id="{6DEB7EE2-04A2-4FB2-9625-C9C73AC4D32F}" type="slidenum">
               <a:rPr lang="en-US" altLang="en-US" smtClean="0"/>
               <a:pPr/>
-              <a:t>8</a:t>
+              <a:t>9</a:t>
             </a:fld>
             <a:endParaRPr lang="en-US" altLang="en-US" dirty="0"/>
           </a:p>
@@ -1623,7 +1624,7 @@
             <a:fld id="{6DEB7EE2-04A2-4FB2-9625-C9C73AC4D32F}" type="slidenum">
               <a:rPr lang="en-US" altLang="en-US" smtClean="0"/>
               <a:pPr/>
-              <a:t>9</a:t>
+              <a:t>10</a:t>
             </a:fld>
             <a:endParaRPr lang="en-US" altLang="en-US" dirty="0"/>
           </a:p>
@@ -1998,7 +1999,7 @@
           <a:p>
             <a:fld id="{50A1B9BC-7BE7-4893-90FD-CC95830FD8F2}" type="datetimeFigureOut">
               <a:rPr lang="en-US" smtClean="0"/>
-              <a:t>1/15/2025</a:t>
+              <a:t>7/23/25</a:t>
             </a:fld>
             <a:endParaRPr lang="en-US" dirty="0"/>
           </a:p>
@@ -16804,7 +16805,7 @@
             <a:fld id="{1D364696-E1F3-49EF-AEC8-730A16D9A23F}" type="datetimeFigureOut">
               <a:rPr lang="en-US" altLang="en-US" smtClean="0"/>
               <a:pPr/>
-              <a:t>1/15/2025</a:t>
+              <a:t>7/23/25</a:t>
             </a:fld>
             <a:endParaRPr lang="en-US" altLang="en-US" dirty="0"/>
           </a:p>
@@ -17294,6 +17295,167 @@
 </p:sld>
 </file>
 
+<file path=ppt/slides/slide10.xml><?xml version="1.0" encoding="utf-8"?>
+<p:sld xmlns:a="http://schemas.openxmlformats.org/drawingml/2006/main" xmlns:r="http://schemas.openxmlformats.org/officeDocument/2006/relationships" xmlns:p="http://schemas.openxmlformats.org/presentationml/2006/main">
+  <p:cSld>
+    <p:bg>
+      <p:bgPr>
+        <a:solidFill>
+          <a:schemeClr val="bg1"/>
+        </a:solidFill>
+        <a:effectLst/>
+      </p:bgPr>
+    </p:bg>
+    <p:spTree>
+      <p:nvGrpSpPr>
+        <p:cNvPr id="1" name=""/>
+        <p:cNvGrpSpPr/>
+        <p:nvPr/>
+      </p:nvGrpSpPr>
+      <p:grpSpPr>
+        <a:xfrm>
+          <a:off x="0" y="0"/>
+          <a:ext cx="0" cy="0"/>
+          <a:chOff x="0" y="0"/>
+          <a:chExt cx="0" cy="0"/>
+        </a:xfrm>
+      </p:grpSpPr>
+      <p:sp>
+        <p:nvSpPr>
+          <p:cNvPr id="4" name="Title 3">
+            <a:extLst>
+              <a:ext uri="{FF2B5EF4-FFF2-40B4-BE49-F238E27FC236}">
+                <a16:creationId xmlns:a16="http://schemas.microsoft.com/office/drawing/2014/main" id="{068DF32A-D165-40DA-AAE8-A6E9579E2F79}"/>
+              </a:ext>
+            </a:extLst>
+          </p:cNvPr>
+          <p:cNvSpPr>
+            <a:spLocks noGrp="1"/>
+          </p:cNvSpPr>
+          <p:nvPr>
+            <p:ph type="title"/>
+          </p:nvPr>
+        </p:nvSpPr>
+        <p:spPr>
+          <a:xfrm>
+            <a:off x="0" y="665431"/>
+            <a:ext cx="5675599" cy="615553"/>
+          </a:xfrm>
+        </p:spPr>
+        <p:txBody>
+          <a:bodyPr/>
+          <a:lstStyle/>
+          <a:p>
+            <a:r>
+              <a:rPr lang="en-US" dirty="0"/>
+              <a:t>Thank You </a:t>
+            </a:r>
+            <a:r>
+              <a:rPr lang="en-US" dirty="0">
+                <a:solidFill>
+                  <a:schemeClr val="accent5"/>
+                </a:solidFill>
+              </a:rPr>
+              <a:t>&amp;</a:t>
+            </a:r>
+            <a:r>
+              <a:rPr lang="en-US" dirty="0"/>
+              <a:t> QA</a:t>
+            </a:r>
+          </a:p>
+        </p:txBody>
+      </p:sp>
+      <p:pic>
+        <p:nvPicPr>
+          <p:cNvPr id="5" name="Picture 4" descr="QR code to CorgiDev Linktree page.">
+            <a:extLst>
+              <a:ext uri="{FF2B5EF4-FFF2-40B4-BE49-F238E27FC236}">
+                <a16:creationId xmlns:a16="http://schemas.microsoft.com/office/drawing/2014/main" id="{01D67BC9-465F-F953-2870-39DDFD5F17DB}"/>
+              </a:ext>
+            </a:extLst>
+          </p:cNvPr>
+          <p:cNvPicPr>
+            <a:picLocks noChangeAspect="1"/>
+          </p:cNvPicPr>
+          <p:nvPr/>
+        </p:nvPicPr>
+        <p:blipFill>
+          <a:blip r:embed="rId3"/>
+          <a:stretch>
+            <a:fillRect/>
+          </a:stretch>
+        </p:blipFill>
+        <p:spPr>
+          <a:xfrm>
+            <a:off x="7838107" y="1616528"/>
+            <a:ext cx="3624943" cy="3624943"/>
+          </a:xfrm>
+          <a:prstGeom prst="rect">
+            <a:avLst/>
+          </a:prstGeom>
+        </p:spPr>
+      </p:pic>
+      <p:sp>
+        <p:nvSpPr>
+          <p:cNvPr id="8" name="TextBox 7">
+            <a:extLst>
+              <a:ext uri="{FF2B5EF4-FFF2-40B4-BE49-F238E27FC236}">
+                <a16:creationId xmlns:a16="http://schemas.microsoft.com/office/drawing/2014/main" id="{83DB9D43-49AC-6A15-F3F8-26461EF94FAD}"/>
+              </a:ext>
+            </a:extLst>
+          </p:cNvPr>
+          <p:cNvSpPr txBox="1"/>
+          <p:nvPr/>
+        </p:nvSpPr>
+        <p:spPr>
+          <a:xfrm>
+            <a:off x="7838107" y="5404641"/>
+            <a:ext cx="3624943" cy="369332"/>
+          </a:xfrm>
+          <a:prstGeom prst="rect">
+            <a:avLst/>
+          </a:prstGeom>
+          <a:noFill/>
+        </p:spPr>
+        <p:txBody>
+          <a:bodyPr wrap="square">
+            <a:spAutoFit/>
+          </a:bodyPr>
+          <a:lstStyle/>
+          <a:p>
+            <a:pPr algn="ctr"/>
+            <a:r>
+              <a:rPr lang="en-US" altLang="en-US" dirty="0"/>
+              <a:t>https://linktr.ee/corgidev</a:t>
+            </a:r>
+          </a:p>
+        </p:txBody>
+      </p:sp>
+    </p:spTree>
+    <p:extLst>
+      <p:ext uri="{BB962C8B-B14F-4D97-AF65-F5344CB8AC3E}">
+        <p14:creationId xmlns:p14="http://schemas.microsoft.com/office/powerpoint/2010/main" val="576716121"/>
+      </p:ext>
+    </p:extLst>
+  </p:cSld>
+  <p:clrMapOvr>
+    <a:masterClrMapping/>
+  </p:clrMapOvr>
+  <mc:AlternateContent xmlns:mc="http://schemas.openxmlformats.org/markup-compatibility/2006" xmlns:p14="http://schemas.microsoft.com/office/powerpoint/2010/main">
+    <mc:Choice Requires="p14">
+      <p:transition spd="med" p14:dur="700">
+        <p:fade/>
+      </p:transition>
+    </mc:Choice>
+    <mc:Fallback xmlns="">
+      <p:transition spd="med">
+        <p:fade/>
+      </p:transition>
+    </mc:Fallback>
+  </mc:AlternateContent>
+</p:sld>
+</file>
+
 <file path=ppt/slides/slide2.xml><?xml version="1.0" encoding="utf-8"?>
 <p:sld xmlns:a="http://schemas.openxmlformats.org/drawingml/2006/main" xmlns:r="http://schemas.openxmlformats.org/officeDocument/2006/relationships" xmlns:p="http://schemas.openxmlformats.org/presentationml/2006/main">
   <p:cSld>
@@ -17415,6 +17577,187 @@
 </file>
 
 <file path=ppt/slides/slide3.xml><?xml version="1.0" encoding="utf-8"?>
+<p:sld xmlns:a="http://schemas.openxmlformats.org/drawingml/2006/main" xmlns:r="http://schemas.openxmlformats.org/officeDocument/2006/relationships" xmlns:p="http://schemas.openxmlformats.org/presentationml/2006/main">
+  <p:cSld>
+    <p:spTree>
+      <p:nvGrpSpPr>
+        <p:cNvPr id="1" name=""/>
+        <p:cNvGrpSpPr/>
+        <p:nvPr/>
+      </p:nvGrpSpPr>
+      <p:grpSpPr>
+        <a:xfrm>
+          <a:off x="0" y="0"/>
+          <a:ext cx="0" cy="0"/>
+          <a:chOff x="0" y="0"/>
+          <a:chExt cx="0" cy="0"/>
+        </a:xfrm>
+      </p:grpSpPr>
+      <p:sp>
+        <p:nvSpPr>
+          <p:cNvPr id="2" name="Title 1">
+            <a:extLst>
+              <a:ext uri="{FF2B5EF4-FFF2-40B4-BE49-F238E27FC236}">
+                <a16:creationId xmlns:a16="http://schemas.microsoft.com/office/drawing/2014/main" id="{80AFED0B-8F76-413B-4E96-B433C356C22C}"/>
+              </a:ext>
+            </a:extLst>
+          </p:cNvPr>
+          <p:cNvSpPr>
+            <a:spLocks noGrp="1"/>
+          </p:cNvSpPr>
+          <p:nvPr>
+            <p:ph type="title"/>
+          </p:nvPr>
+        </p:nvSpPr>
+        <p:spPr>
+          <a:xfrm>
+            <a:off x="854297" y="810611"/>
+            <a:ext cx="9141397" cy="615553"/>
+          </a:xfrm>
+        </p:spPr>
+        <p:txBody>
+          <a:bodyPr/>
+          <a:lstStyle/>
+          <a:p>
+            <a:pPr algn="l"/>
+            <a:r>
+              <a:rPr lang="en-US" dirty="0"/>
+              <a:t>Agenda</a:t>
+            </a:r>
+          </a:p>
+        </p:txBody>
+      </p:sp>
+      <p:sp>
+        <p:nvSpPr>
+          <p:cNvPr id="3" name="Text Placeholder 2">
+            <a:extLst>
+              <a:ext uri="{FF2B5EF4-FFF2-40B4-BE49-F238E27FC236}">
+                <a16:creationId xmlns:a16="http://schemas.microsoft.com/office/drawing/2014/main" id="{A3AA5763-F7B4-D96B-F5A7-A0AE84E5A250}"/>
+              </a:ext>
+            </a:extLst>
+          </p:cNvPr>
+          <p:cNvSpPr>
+            <a:spLocks noGrp="1"/>
+          </p:cNvSpPr>
+          <p:nvPr>
+            <p:ph type="body" sz="quarter" idx="12"/>
+          </p:nvPr>
+        </p:nvSpPr>
+        <p:spPr>
+          <a:xfrm>
+            <a:off x="854297" y="1689482"/>
+            <a:ext cx="10942751" cy="4357907"/>
+          </a:xfrm>
+        </p:spPr>
+        <p:txBody>
+          <a:bodyPr/>
+          <a:lstStyle/>
+          <a:p>
+            <a:pPr marL="285750" indent="-285750" algn="l">
+              <a:spcBef>
+                <a:spcPts val="1000"/>
+              </a:spcBef>
+              <a:buFont typeface="Arial" panose="020B0604020202020204" pitchFamily="34" charset="0"/>
+              <a:buChar char="•"/>
+            </a:pPr>
+            <a:r>
+              <a:rPr lang="en-US" sz="2400" b="1" dirty="0"/>
+              <a:t>What is Accessibility?</a:t>
+            </a:r>
+          </a:p>
+          <a:p>
+            <a:pPr marL="285750" indent="-285750" algn="l">
+              <a:spcBef>
+                <a:spcPts val="1000"/>
+              </a:spcBef>
+              <a:buFont typeface="Arial" panose="020B0604020202020204" pitchFamily="34" charset="0"/>
+              <a:buChar char="•"/>
+            </a:pPr>
+            <a:r>
+              <a:rPr lang="en-US" sz="2400" b="1" dirty="0"/>
+              <a:t>Accessibility Guidelines</a:t>
+            </a:r>
+          </a:p>
+          <a:p>
+            <a:pPr marL="285750" indent="-285750" algn="l">
+              <a:spcBef>
+                <a:spcPts val="1000"/>
+              </a:spcBef>
+              <a:buFont typeface="Arial" panose="020B0604020202020204" pitchFamily="34" charset="0"/>
+              <a:buChar char="•"/>
+            </a:pPr>
+            <a:r>
+              <a:rPr lang="en-US" sz="2400" b="1" dirty="0"/>
+              <a:t>Accessibility Regulations</a:t>
+            </a:r>
+          </a:p>
+          <a:p>
+            <a:pPr marL="285750" indent="-285750" algn="l">
+              <a:spcBef>
+                <a:spcPts val="1000"/>
+              </a:spcBef>
+              <a:buFont typeface="Arial" panose="020B0604020202020204" pitchFamily="34" charset="0"/>
+              <a:buChar char="•"/>
+            </a:pPr>
+            <a:r>
+              <a:rPr lang="en-US" sz="2400" b="1" dirty="0"/>
+              <a:t>Why care?</a:t>
+            </a:r>
+          </a:p>
+          <a:p>
+            <a:pPr marL="285750" indent="-285750" algn="l">
+              <a:spcBef>
+                <a:spcPts val="1000"/>
+              </a:spcBef>
+              <a:buFont typeface="Arial" panose="020B0604020202020204" pitchFamily="34" charset="0"/>
+              <a:buChar char="•"/>
+            </a:pPr>
+            <a:r>
+              <a:rPr lang="en-US" sz="2400" b="1" dirty="0"/>
+              <a:t>What can you do?</a:t>
+            </a:r>
+          </a:p>
+          <a:p>
+            <a:pPr marL="285750" indent="-285750" algn="l">
+              <a:spcBef>
+                <a:spcPts val="1000"/>
+              </a:spcBef>
+              <a:buFont typeface="Arial" panose="020B0604020202020204" pitchFamily="34" charset="0"/>
+              <a:buChar char="•"/>
+            </a:pPr>
+            <a:r>
+              <a:rPr lang="en-US" sz="2400" b="1" dirty="0"/>
+              <a:t>Tools and Resources</a:t>
+            </a:r>
+          </a:p>
+        </p:txBody>
+      </p:sp>
+    </p:spTree>
+    <p:extLst>
+      <p:ext uri="{BB962C8B-B14F-4D97-AF65-F5344CB8AC3E}">
+        <p14:creationId xmlns:p14="http://schemas.microsoft.com/office/powerpoint/2010/main" val="3657429384"/>
+      </p:ext>
+    </p:extLst>
+  </p:cSld>
+  <p:clrMapOvr>
+    <a:masterClrMapping/>
+  </p:clrMapOvr>
+  <mc:AlternateContent xmlns:mc="http://schemas.openxmlformats.org/markup-compatibility/2006" xmlns:p14="http://schemas.microsoft.com/office/powerpoint/2010/main">
+    <mc:Choice Requires="p14">
+      <p:transition spd="med" p14:dur="700">
+        <p:fade/>
+      </p:transition>
+    </mc:Choice>
+    <mc:Fallback xmlns="">
+      <p:transition spd="med">
+        <p:fade/>
+      </p:transition>
+    </mc:Fallback>
+  </mc:AlternateContent>
+</p:sld>
+</file>
+
+<file path=ppt/slides/slide4.xml><?xml version="1.0" encoding="utf-8"?>
 <p:sld xmlns:a="http://schemas.openxmlformats.org/drawingml/2006/main" xmlns:r="http://schemas.openxmlformats.org/officeDocument/2006/relationships" xmlns:p="http://schemas.openxmlformats.org/presentationml/2006/main">
   <p:cSld>
     <p:bg>
@@ -17823,7 +18166,7 @@
 </p:sld>
 </file>
 
-<file path=ppt/slides/slide4.xml><?xml version="1.0" encoding="utf-8"?>
+<file path=ppt/slides/slide5.xml><?xml version="1.0" encoding="utf-8"?>
 <p:sld xmlns:a="http://schemas.openxmlformats.org/drawingml/2006/main" xmlns:r="http://schemas.openxmlformats.org/officeDocument/2006/relationships" xmlns:p="http://schemas.openxmlformats.org/presentationml/2006/main">
   <p:cSld>
     <p:bg>
@@ -18996,7 +19339,7 @@
 </p:sld>
 </file>
 
-<file path=ppt/slides/slide5.xml><?xml version="1.0" encoding="utf-8"?>
+<file path=ppt/slides/slide6.xml><?xml version="1.0" encoding="utf-8"?>
 <p:sld xmlns:a="http://schemas.openxmlformats.org/drawingml/2006/main" xmlns:r="http://schemas.openxmlformats.org/officeDocument/2006/relationships" xmlns:p="http://schemas.openxmlformats.org/presentationml/2006/main">
   <p:cSld>
     <p:bg>
@@ -19533,13 +19876,13 @@
   <p:clrMapOvr>
     <a:masterClrMapping/>
   </p:clrMapOvr>
-  <mc:AlternateContent xmlns:mc="http://schemas.openxmlformats.org/markup-compatibility/2006">
-    <mc:Choice xmlns:p14="http://schemas.microsoft.com/office/powerpoint/2010/main" Requires="p14">
+  <mc:AlternateContent xmlns:mc="http://schemas.openxmlformats.org/markup-compatibility/2006" xmlns:p14="http://schemas.microsoft.com/office/powerpoint/2010/main">
+    <mc:Choice Requires="p14">
       <p:transition spd="med" p14:dur="700">
         <p:fade/>
       </p:transition>
     </mc:Choice>
-    <mc:Fallback>
+    <mc:Fallback xmlns="">
       <p:transition spd="med">
         <p:fade/>
       </p:transition>
@@ -19548,7 +19891,7 @@
 </p:sld>
 </file>
 
-<file path=ppt/slides/slide6.xml><?xml version="1.0" encoding="utf-8"?>
+<file path=ppt/slides/slide7.xml><?xml version="1.0" encoding="utf-8"?>
 <p:sld xmlns:a="http://schemas.openxmlformats.org/drawingml/2006/main" xmlns:r="http://schemas.openxmlformats.org/officeDocument/2006/relationships" xmlns:p="http://schemas.openxmlformats.org/presentationml/2006/main">
   <p:cSld>
     <p:bg>
@@ -20099,7 +20442,7 @@
 </p:sld>
 </file>
 
-<file path=ppt/slides/slide7.xml><?xml version="1.0" encoding="utf-8"?>
+<file path=ppt/slides/slide8.xml><?xml version="1.0" encoding="utf-8"?>
 <p:sld xmlns:a="http://schemas.openxmlformats.org/drawingml/2006/main" xmlns:r="http://schemas.openxmlformats.org/officeDocument/2006/relationships" xmlns:p="http://schemas.openxmlformats.org/presentationml/2006/main">
   <p:cSld>
     <p:bg>
@@ -20323,7 +20666,7 @@
 </p:sld>
 </file>
 
-<file path=ppt/slides/slide8.xml><?xml version="1.0" encoding="utf-8"?>
+<file path=ppt/slides/slide9.xml><?xml version="1.0" encoding="utf-8"?>
 <p:sld xmlns:a="http://schemas.openxmlformats.org/drawingml/2006/main" xmlns:r="http://schemas.openxmlformats.org/officeDocument/2006/relationships" xmlns:p="http://schemas.openxmlformats.org/presentationml/2006/main">
   <p:cSld>
     <p:bg>
@@ -20686,167 +21029,6 @@
     <p:extLst>
       <p:ext uri="{BB962C8B-B14F-4D97-AF65-F5344CB8AC3E}">
         <p14:creationId xmlns:p14="http://schemas.microsoft.com/office/powerpoint/2010/main" val="2814559039"/>
-      </p:ext>
-    </p:extLst>
-  </p:cSld>
-  <p:clrMapOvr>
-    <a:masterClrMapping/>
-  </p:clrMapOvr>
-  <mc:AlternateContent xmlns:mc="http://schemas.openxmlformats.org/markup-compatibility/2006" xmlns:p14="http://schemas.microsoft.com/office/powerpoint/2010/main">
-    <mc:Choice Requires="p14">
-      <p:transition spd="med" p14:dur="700">
-        <p:fade/>
-      </p:transition>
-    </mc:Choice>
-    <mc:Fallback xmlns="">
-      <p:transition spd="med">
-        <p:fade/>
-      </p:transition>
-    </mc:Fallback>
-  </mc:AlternateContent>
-</p:sld>
-</file>
-
-<file path=ppt/slides/slide9.xml><?xml version="1.0" encoding="utf-8"?>
-<p:sld xmlns:a="http://schemas.openxmlformats.org/drawingml/2006/main" xmlns:r="http://schemas.openxmlformats.org/officeDocument/2006/relationships" xmlns:p="http://schemas.openxmlformats.org/presentationml/2006/main">
-  <p:cSld>
-    <p:bg>
-      <p:bgPr>
-        <a:solidFill>
-          <a:schemeClr val="bg1"/>
-        </a:solidFill>
-        <a:effectLst/>
-      </p:bgPr>
-    </p:bg>
-    <p:spTree>
-      <p:nvGrpSpPr>
-        <p:cNvPr id="1" name=""/>
-        <p:cNvGrpSpPr/>
-        <p:nvPr/>
-      </p:nvGrpSpPr>
-      <p:grpSpPr>
-        <a:xfrm>
-          <a:off x="0" y="0"/>
-          <a:ext cx="0" cy="0"/>
-          <a:chOff x="0" y="0"/>
-          <a:chExt cx="0" cy="0"/>
-        </a:xfrm>
-      </p:grpSpPr>
-      <p:sp>
-        <p:nvSpPr>
-          <p:cNvPr id="4" name="Title 3">
-            <a:extLst>
-              <a:ext uri="{FF2B5EF4-FFF2-40B4-BE49-F238E27FC236}">
-                <a16:creationId xmlns:a16="http://schemas.microsoft.com/office/drawing/2014/main" id="{068DF32A-D165-40DA-AAE8-A6E9579E2F79}"/>
-              </a:ext>
-            </a:extLst>
-          </p:cNvPr>
-          <p:cNvSpPr>
-            <a:spLocks noGrp="1"/>
-          </p:cNvSpPr>
-          <p:nvPr>
-            <p:ph type="title"/>
-          </p:nvPr>
-        </p:nvSpPr>
-        <p:spPr>
-          <a:xfrm>
-            <a:off x="0" y="665431"/>
-            <a:ext cx="5675599" cy="615553"/>
-          </a:xfrm>
-        </p:spPr>
-        <p:txBody>
-          <a:bodyPr/>
-          <a:lstStyle/>
-          <a:p>
-            <a:r>
-              <a:rPr lang="en-US" dirty="0"/>
-              <a:t>Thank You </a:t>
-            </a:r>
-            <a:r>
-              <a:rPr lang="en-US" dirty="0">
-                <a:solidFill>
-                  <a:schemeClr val="accent5"/>
-                </a:solidFill>
-              </a:rPr>
-              <a:t>&amp;</a:t>
-            </a:r>
-            <a:r>
-              <a:rPr lang="en-US" dirty="0"/>
-              <a:t> QA</a:t>
-            </a:r>
-          </a:p>
-        </p:txBody>
-      </p:sp>
-      <p:pic>
-        <p:nvPicPr>
-          <p:cNvPr id="5" name="Picture 4" descr="QR code to CorgiDev Linktree page.">
-            <a:extLst>
-              <a:ext uri="{FF2B5EF4-FFF2-40B4-BE49-F238E27FC236}">
-                <a16:creationId xmlns:a16="http://schemas.microsoft.com/office/drawing/2014/main" id="{01D67BC9-465F-F953-2870-39DDFD5F17DB}"/>
-              </a:ext>
-            </a:extLst>
-          </p:cNvPr>
-          <p:cNvPicPr>
-            <a:picLocks noChangeAspect="1"/>
-          </p:cNvPicPr>
-          <p:nvPr/>
-        </p:nvPicPr>
-        <p:blipFill>
-          <a:blip r:embed="rId3"/>
-          <a:stretch>
-            <a:fillRect/>
-          </a:stretch>
-        </p:blipFill>
-        <p:spPr>
-          <a:xfrm>
-            <a:off x="7838107" y="1616528"/>
-            <a:ext cx="3624943" cy="3624943"/>
-          </a:xfrm>
-          <a:prstGeom prst="rect">
-            <a:avLst/>
-          </a:prstGeom>
-        </p:spPr>
-      </p:pic>
-      <p:sp>
-        <p:nvSpPr>
-          <p:cNvPr id="8" name="TextBox 7">
-            <a:extLst>
-              <a:ext uri="{FF2B5EF4-FFF2-40B4-BE49-F238E27FC236}">
-                <a16:creationId xmlns:a16="http://schemas.microsoft.com/office/drawing/2014/main" id="{83DB9D43-49AC-6A15-F3F8-26461EF94FAD}"/>
-              </a:ext>
-            </a:extLst>
-          </p:cNvPr>
-          <p:cNvSpPr txBox="1"/>
-          <p:nvPr/>
-        </p:nvSpPr>
-        <p:spPr>
-          <a:xfrm>
-            <a:off x="7838107" y="5404641"/>
-            <a:ext cx="3624943" cy="369332"/>
-          </a:xfrm>
-          <a:prstGeom prst="rect">
-            <a:avLst/>
-          </a:prstGeom>
-          <a:noFill/>
-        </p:spPr>
-        <p:txBody>
-          <a:bodyPr wrap="square">
-            <a:spAutoFit/>
-          </a:bodyPr>
-          <a:lstStyle/>
-          <a:p>
-            <a:pPr algn="ctr"/>
-            <a:r>
-              <a:rPr lang="en-US" altLang="en-US" dirty="0"/>
-              <a:t>https://linktr.ee/corgidev</a:t>
-            </a:r>
-          </a:p>
-        </p:txBody>
-      </p:sp>
-    </p:spTree>
-    <p:extLst>
-      <p:ext uri="{BB962C8B-B14F-4D97-AF65-F5344CB8AC3E}">
-        <p14:creationId xmlns:p14="http://schemas.microsoft.com/office/powerpoint/2010/main" val="576716121"/>
       </p:ext>
     </p:extLst>
   </p:cSld>
@@ -21353,12 +21535,12 @@
 </file>
 
 <file path=customXml/item1.xml><?xml version="1.0" encoding="utf-8"?>
-<p:properties xmlns:p="http://schemas.microsoft.com/office/2006/metadata/properties" xmlns:xsi="http://www.w3.org/2001/XMLSchema-instance" xmlns:pc="http://schemas.microsoft.com/office/infopath/2007/PartnerControls">
-  <documentManagement>
-    <Status xmlns="71af3243-3dd4-4a8d-8c0d-dd76da1f02a5">Not started</Status>
-    <MediaServiceKeyPoints xmlns="71af3243-3dd4-4a8d-8c0d-dd76da1f02a5" xsi:nil="true"/>
-  </documentManagement>
-</p:properties>
+<?mso-contentType ?>
+<FormTemplates xmlns="http://schemas.microsoft.com/sharepoint/v3/contenttype/forms">
+  <Display>DocumentLibraryForm</Display>
+  <Edit>DocumentLibraryForm</Edit>
+  <New>DocumentLibraryForm</New>
+</FormTemplates>
 </file>
 
 <file path=customXml/item2.xml><?xml version="1.0" encoding="utf-8"?>
@@ -21583,20 +21765,18 @@
 </file>
 
 <file path=customXml/item3.xml><?xml version="1.0" encoding="utf-8"?>
-<?mso-contentType ?>
-<FormTemplates xmlns="http://schemas.microsoft.com/sharepoint/v3/contenttype/forms">
-  <Display>DocumentLibraryForm</Display>
-  <Edit>DocumentLibraryForm</Edit>
-  <New>DocumentLibraryForm</New>
-</FormTemplates>
+<p:properties xmlns:p="http://schemas.microsoft.com/office/2006/metadata/properties" xmlns:xsi="http://www.w3.org/2001/XMLSchema-instance" xmlns:pc="http://schemas.microsoft.com/office/infopath/2007/PartnerControls">
+  <documentManagement>
+    <Status xmlns="71af3243-3dd4-4a8d-8c0d-dd76da1f02a5">Not started</Status>
+    <MediaServiceKeyPoints xmlns="71af3243-3dd4-4a8d-8c0d-dd76da1f02a5" xsi:nil="true"/>
+  </documentManagement>
+</p:properties>
 </file>
 
 <file path=customXml/itemProps1.xml><?xml version="1.0" encoding="utf-8"?>
-<ds:datastoreItem xmlns:ds="http://schemas.openxmlformats.org/officeDocument/2006/customXml" ds:itemID="{BD4119F0-3CE7-4464-96A2-DC738A807A4F}">
+<ds:datastoreItem xmlns:ds="http://schemas.openxmlformats.org/officeDocument/2006/customXml" ds:itemID="{6D318041-50D7-4E47-9BD9-FE885E42AC67}">
   <ds:schemaRefs>
-    <ds:schemaRef ds:uri="http://schemas.microsoft.com/office/2006/metadata/properties"/>
-    <ds:schemaRef ds:uri="http://schemas.microsoft.com/office/infopath/2007/PartnerControls"/>
-    <ds:schemaRef ds:uri="71af3243-3dd4-4a8d-8c0d-dd76da1f02a5"/>
+    <ds:schemaRef ds:uri="http://schemas.microsoft.com/sharepoint/v3/contenttype/forms"/>
   </ds:schemaRefs>
 </ds:datastoreItem>
 </file>
@@ -21621,9 +21801,11 @@
 </file>
 
 <file path=customXml/itemProps3.xml><?xml version="1.0" encoding="utf-8"?>
-<ds:datastoreItem xmlns:ds="http://schemas.openxmlformats.org/officeDocument/2006/customXml" ds:itemID="{6D318041-50D7-4E47-9BD9-FE885E42AC67}">
+<ds:datastoreItem xmlns:ds="http://schemas.openxmlformats.org/officeDocument/2006/customXml" ds:itemID="{BD4119F0-3CE7-4464-96A2-DC738A807A4F}">
   <ds:schemaRefs>
-    <ds:schemaRef ds:uri="http://schemas.microsoft.com/sharepoint/v3/contenttype/forms"/>
+    <ds:schemaRef ds:uri="http://schemas.microsoft.com/office/2006/metadata/properties"/>
+    <ds:schemaRef ds:uri="http://schemas.microsoft.com/office/infopath/2007/PartnerControls"/>
+    <ds:schemaRef ds:uri="71af3243-3dd4-4a8d-8c0d-dd76da1f02a5"/>
   </ds:schemaRefs>
 </ds:datastoreItem>
 </file>
--- a/Presentations/2025/Introduction to Accessibility.pptx
+++ b/Presentations/2025/Introduction to Accessibility.pptx
@@ -1999,7 +1999,7 @@
           <a:p>
             <a:fld id="{50A1B9BC-7BE7-4893-90FD-CC95830FD8F2}" type="datetimeFigureOut">
               <a:rPr lang="en-US" smtClean="0"/>
-              <a:t>7/23/25</a:t>
+              <a:t>7/24/25</a:t>
             </a:fld>
             <a:endParaRPr lang="en-US" dirty="0"/>
           </a:p>
@@ -16805,7 +16805,7 @@
             <a:fld id="{1D364696-E1F3-49EF-AEC8-730A16D9A23F}" type="datetimeFigureOut">
               <a:rPr lang="en-US" altLang="en-US" smtClean="0"/>
               <a:pPr/>
-              <a:t>7/23/25</a:t>
+              <a:t>7/24/25</a:t>
             </a:fld>
             <a:endParaRPr lang="en-US" altLang="en-US" dirty="0"/>
           </a:p>
@@ -17543,11 +17543,8 @@
           <a:p>
             <a:r>
               <a:rPr lang="en-US" dirty="0"/>
-              <a:t>While I will mention regulations, I am not able to provide legal representation/consult.</a:t>
+              <a:t>While I will mention regulations, I am not able to provide legal representation/consultation.</a:t>
             </a:r>
-          </a:p>
-          <a:p>
-            <a:endParaRPr lang="en-US" dirty="0"/>
           </a:p>
         </p:txBody>
       </p:sp>
@@ -17834,13 +17831,13 @@
         </p:nvSpPr>
         <p:spPr>
           <a:xfrm>
-            <a:off x="762000" y="1904999"/>
-            <a:ext cx="2781300" cy="4627685"/>
+            <a:off x="761999" y="1648497"/>
+            <a:ext cx="5334001" cy="4884188"/>
           </a:xfrm>
         </p:spPr>
         <p:txBody>
           <a:bodyPr>
-            <a:normAutofit/>
+            <a:normAutofit lnSpcReduction="10000"/>
           </a:bodyPr>
           <a:lstStyle/>
           <a:p>
@@ -17921,6 +17918,30 @@
                 </a:solidFill>
               </a:rPr>
               <a:t>Area of Impact</a:t>
+            </a:r>
+          </a:p>
+          <a:p>
+            <a:r>
+              <a:rPr lang="en-US" altLang="en-US" dirty="0">
+                <a:solidFill>
+                  <a:schemeClr val="tx1"/>
+                </a:solidFill>
+              </a:rPr>
+              <a:t>Disabled</a:t>
+            </a:r>
+          </a:p>
+          <a:p>
+            <a:pPr marL="342900" indent="-342900">
+              <a:buFont typeface="Arial" panose="020B0604020202020204" pitchFamily="34" charset="0"/>
+              <a:buChar char="•"/>
+            </a:pPr>
+            <a:r>
+              <a:rPr lang="en-US" altLang="en-US" b="0" dirty="0">
+                <a:solidFill>
+                  <a:schemeClr val="tx1"/>
+                </a:solidFill>
+              </a:rPr>
+              <a:t>Permanent / Temporary / Intermittent</a:t>
             </a:r>
           </a:p>
           <a:p>
@@ -21535,12 +21556,12 @@
 </file>
 
 <file path=customXml/item1.xml><?xml version="1.0" encoding="utf-8"?>
-<?mso-contentType ?>
-<FormTemplates xmlns="http://schemas.microsoft.com/sharepoint/v3/contenttype/forms">
-  <Display>DocumentLibraryForm</Display>
-  <Edit>DocumentLibraryForm</Edit>
-  <New>DocumentLibraryForm</New>
-</FormTemplates>
+<p:properties xmlns:p="http://schemas.microsoft.com/office/2006/metadata/properties" xmlns:xsi="http://www.w3.org/2001/XMLSchema-instance" xmlns:pc="http://schemas.microsoft.com/office/infopath/2007/PartnerControls">
+  <documentManagement>
+    <Status xmlns="71af3243-3dd4-4a8d-8c0d-dd76da1f02a5">Not started</Status>
+    <MediaServiceKeyPoints xmlns="71af3243-3dd4-4a8d-8c0d-dd76da1f02a5" xsi:nil="true"/>
+  </documentManagement>
+</p:properties>
 </file>
 
 <file path=customXml/item2.xml><?xml version="1.0" encoding="utf-8"?>
@@ -21765,18 +21786,20 @@
 </file>
 
 <file path=customXml/item3.xml><?xml version="1.0" encoding="utf-8"?>
-<p:properties xmlns:p="http://schemas.microsoft.com/office/2006/metadata/properties" xmlns:xsi="http://www.w3.org/2001/XMLSchema-instance" xmlns:pc="http://schemas.microsoft.com/office/infopath/2007/PartnerControls">
-  <documentManagement>
-    <Status xmlns="71af3243-3dd4-4a8d-8c0d-dd76da1f02a5">Not started</Status>
-    <MediaServiceKeyPoints xmlns="71af3243-3dd4-4a8d-8c0d-dd76da1f02a5" xsi:nil="true"/>
-  </documentManagement>
-</p:properties>
+<?mso-contentType ?>
+<FormTemplates xmlns="http://schemas.microsoft.com/sharepoint/v3/contenttype/forms">
+  <Display>DocumentLibraryForm</Display>
+  <Edit>DocumentLibraryForm</Edit>
+  <New>DocumentLibraryForm</New>
+</FormTemplates>
 </file>
 
 <file path=customXml/itemProps1.xml><?xml version="1.0" encoding="utf-8"?>
-<ds:datastoreItem xmlns:ds="http://schemas.openxmlformats.org/officeDocument/2006/customXml" ds:itemID="{6D318041-50D7-4E47-9BD9-FE885E42AC67}">
+<ds:datastoreItem xmlns:ds="http://schemas.openxmlformats.org/officeDocument/2006/customXml" ds:itemID="{BD4119F0-3CE7-4464-96A2-DC738A807A4F}">
   <ds:schemaRefs>
-    <ds:schemaRef ds:uri="http://schemas.microsoft.com/sharepoint/v3/contenttype/forms"/>
+    <ds:schemaRef ds:uri="http://schemas.microsoft.com/office/2006/metadata/properties"/>
+    <ds:schemaRef ds:uri="http://schemas.microsoft.com/office/infopath/2007/PartnerControls"/>
+    <ds:schemaRef ds:uri="71af3243-3dd4-4a8d-8c0d-dd76da1f02a5"/>
   </ds:schemaRefs>
 </ds:datastoreItem>
 </file>
@@ -21801,11 +21824,9 @@
 </file>
 
 <file path=customXml/itemProps3.xml><?xml version="1.0" encoding="utf-8"?>
-<ds:datastoreItem xmlns:ds="http://schemas.openxmlformats.org/officeDocument/2006/customXml" ds:itemID="{BD4119F0-3CE7-4464-96A2-DC738A807A4F}">
+<ds:datastoreItem xmlns:ds="http://schemas.openxmlformats.org/officeDocument/2006/customXml" ds:itemID="{6D318041-50D7-4E47-9BD9-FE885E42AC67}">
   <ds:schemaRefs>
-    <ds:schemaRef ds:uri="http://schemas.microsoft.com/office/2006/metadata/properties"/>
-    <ds:schemaRef ds:uri="http://schemas.microsoft.com/office/infopath/2007/PartnerControls"/>
-    <ds:schemaRef ds:uri="71af3243-3dd4-4a8d-8c0d-dd76da1f02a5"/>
+    <ds:schemaRef ds:uri="http://schemas.microsoft.com/sharepoint/v3/contenttype/forms"/>
   </ds:schemaRefs>
 </ds:datastoreItem>
 </file>
--- a/Presentations/2025/Introduction to Accessibility.pptx
+++ b/Presentations/2025/Introduction to Accessibility.pptx
@@ -17936,7 +17936,7 @@
               <a:buChar char="•"/>
             </a:pPr>
             <a:r>
-              <a:rPr lang="en-US" altLang="en-US" b="0" dirty="0">
+              <a:rPr lang="en-US" altLang="en-US" sz="1800" b="0" dirty="0">
                 <a:solidFill>
                   <a:schemeClr val="tx1"/>
                 </a:solidFill>

--- a/Presentations/2025/Introduction to Accessibility.pptx
+++ b/Presentations/2025/Introduction to Accessibility.pptx
@@ -17860,6 +17860,32 @@
               </a:rPr>
               <a:t>Numeronym</a:t>
             </a:r>
+            <a:endParaRPr lang="en-US" dirty="0">
+              <a:solidFill>
+                <a:schemeClr val="tx1"/>
+              </a:solidFill>
+            </a:endParaRPr>
+          </a:p>
+          <a:p>
+            <a:r>
+              <a:rPr lang="en-US" altLang="en-US" dirty="0">
+                <a:solidFill>
+                  <a:schemeClr val="tx1"/>
+                </a:solidFill>
+              </a:rPr>
+              <a:t>Accessibility</a:t>
+            </a:r>
+          </a:p>
+          <a:p>
+            <a:pPr lvl="1"/>
+            <a:r>
+              <a:rPr lang="en-US">
+                <a:solidFill>
+                  <a:schemeClr val="tx1"/>
+                </a:solidFill>
+              </a:rPr>
+              <a:t>Flexibility</a:t>
+            </a:r>
             <a:endParaRPr lang="en-US" altLang="en-US" dirty="0">
               <a:solidFill>
                 <a:schemeClr val="tx1"/>
@@ -17965,40 +17991,6 @@
               <a:t>Low tech v High Tech</a:t>
             </a:r>
             <a:endParaRPr lang="en-US" altLang="en-US" dirty="0">
-              <a:solidFill>
-                <a:schemeClr val="tx1"/>
-              </a:solidFill>
-            </a:endParaRPr>
-          </a:p>
-          <a:p>
-            <a:r>
-              <a:rPr lang="en-US" altLang="en-US" dirty="0">
-                <a:solidFill>
-                  <a:schemeClr val="tx1"/>
-                </a:solidFill>
-              </a:rPr>
-              <a:t>Accessibility</a:t>
-            </a:r>
-          </a:p>
-          <a:p>
-            <a:pPr lvl="1"/>
-            <a:r>
-              <a:rPr lang="en-US" dirty="0">
-                <a:solidFill>
-                  <a:schemeClr val="tx1"/>
-                </a:solidFill>
-              </a:rPr>
-              <a:t>Flexibility</a:t>
-            </a:r>
-            <a:endParaRPr lang="en-US" altLang="en-US" dirty="0">
-              <a:solidFill>
-                <a:schemeClr val="tx1"/>
-              </a:solidFill>
-            </a:endParaRPr>
-          </a:p>
-          <a:p>
-            <a:pPr lvl="1"/>
-            <a:endParaRPr lang="en-US" dirty="0">
               <a:solidFill>
                 <a:schemeClr val="tx1"/>
               </a:solidFill>

--- a/Presentations/2025/Introduction to Accessibility.pptx
+++ b/Presentations/2025/Introduction to Accessibility.pptx
@@ -17879,7 +17879,7 @@
           <a:p>
             <a:pPr lvl="1"/>
             <a:r>
-              <a:rPr lang="en-US">
+              <a:rPr lang="en-US" dirty="0">
                 <a:solidFill>
                   <a:schemeClr val="tx1"/>
                 </a:solidFill>

--- a/Presentations/2025/Introduction to Accessibility.pptx
+++ b/Presentations/2025/Introduction to Accessibility.pptx
@@ -17642,8 +17642,8 @@
         </p:nvSpPr>
         <p:spPr>
           <a:xfrm>
-            <a:off x="854297" y="1689482"/>
-            <a:ext cx="10942751" cy="4357907"/>
+            <a:off x="854297" y="1957589"/>
+            <a:ext cx="10942751" cy="4089800"/>
           </a:xfrm>
         </p:spPr>
         <p:txBody>

--- a/Presentations/2025/Introduction to Accessibility.pptx
+++ b/Presentations/2025/Introduction to Accessibility.pptx
@@ -5,19 +5,20 @@
     <p:sldMasterId id="2147483687" r:id="rId4"/>
   </p:sldMasterIdLst>
   <p:notesMasterIdLst>
-    <p:notesMasterId r:id="rId15"/>
+    <p:notesMasterId r:id="rId16"/>
   </p:notesMasterIdLst>
   <p:sldIdLst>
     <p:sldId id="1864" r:id="rId5"/>
-    <p:sldId id="1845" r:id="rId6"/>
-    <p:sldId id="1867" r:id="rId7"/>
-    <p:sldId id="1846" r:id="rId8"/>
-    <p:sldId id="1848" r:id="rId9"/>
-    <p:sldId id="1866" r:id="rId10"/>
-    <p:sldId id="1863" r:id="rId11"/>
-    <p:sldId id="1852" r:id="rId12"/>
-    <p:sldId id="1865" r:id="rId13"/>
-    <p:sldId id="1859" r:id="rId14"/>
+    <p:sldId id="1868" r:id="rId6"/>
+    <p:sldId id="1845" r:id="rId7"/>
+    <p:sldId id="1867" r:id="rId8"/>
+    <p:sldId id="1846" r:id="rId9"/>
+    <p:sldId id="1848" r:id="rId10"/>
+    <p:sldId id="1866" r:id="rId11"/>
+    <p:sldId id="1863" r:id="rId12"/>
+    <p:sldId id="1852" r:id="rId13"/>
+    <p:sldId id="1865" r:id="rId14"/>
+    <p:sldId id="1859" r:id="rId15"/>
   </p:sldIdLst>
   <p:sldSz cx="12192000" cy="6858000"/>
   <p:notesSz cx="6858000" cy="9144000"/>
@@ -981,7 +982,7 @@
             <a:fld id="{6DEB7EE2-04A2-4FB2-9625-C9C73AC4D32F}" type="slidenum">
               <a:rPr lang="en-US" altLang="en-US" smtClean="0"/>
               <a:pPr/>
-              <a:t>2</a:t>
+              <a:t>3</a:t>
             </a:fld>
             <a:endParaRPr lang="en-US" altLang="en-US" dirty="0"/>
           </a:p>
@@ -1156,7 +1157,7 @@
             <a:fld id="{6DEB7EE2-04A2-4FB2-9625-C9C73AC4D32F}" type="slidenum">
               <a:rPr lang="en-US" altLang="en-US" smtClean="0"/>
               <a:pPr/>
-              <a:t>4</a:t>
+              <a:t>5</a:t>
             </a:fld>
             <a:endParaRPr lang="en-US" altLang="en-US" dirty="0"/>
           </a:p>
@@ -1241,7 +1242,7 @@
             <a:fld id="{6DEB7EE2-04A2-4FB2-9625-C9C73AC4D32F}" type="slidenum">
               <a:rPr lang="en-US" altLang="en-US" smtClean="0"/>
               <a:pPr/>
-              <a:t>5</a:t>
+              <a:t>6</a:t>
             </a:fld>
             <a:endParaRPr lang="en-US" altLang="en-US" dirty="0"/>
           </a:p>
@@ -1350,7 +1351,7 @@
             <a:fld id="{6DEB7EE2-04A2-4FB2-9625-C9C73AC4D32F}" type="slidenum">
               <a:rPr lang="en-US" altLang="en-US" smtClean="0"/>
               <a:pPr/>
-              <a:t>6</a:t>
+              <a:t>7</a:t>
             </a:fld>
             <a:endParaRPr lang="en-US" altLang="en-US" dirty="0"/>
           </a:p>
@@ -1539,7 +1540,7 @@
             <a:fld id="{6DEB7EE2-04A2-4FB2-9625-C9C73AC4D32F}" type="slidenum">
               <a:rPr lang="en-US" altLang="en-US" smtClean="0"/>
               <a:pPr/>
-              <a:t>9</a:t>
+              <a:t>10</a:t>
             </a:fld>
             <a:endParaRPr lang="en-US" altLang="en-US" dirty="0"/>
           </a:p>
@@ -1624,7 +1625,7 @@
             <a:fld id="{6DEB7EE2-04A2-4FB2-9625-C9C73AC4D32F}" type="slidenum">
               <a:rPr lang="en-US" altLang="en-US" smtClean="0"/>
               <a:pPr/>
-              <a:t>10</a:t>
+              <a:t>11</a:t>
             </a:fld>
             <a:endParaRPr lang="en-US" altLang="en-US" dirty="0"/>
           </a:p>
@@ -1999,7 +2000,7 @@
           <a:p>
             <a:fld id="{50A1B9BC-7BE7-4893-90FD-CC95830FD8F2}" type="datetimeFigureOut">
               <a:rPr lang="en-US" smtClean="0"/>
-              <a:t>7/24/25</a:t>
+              <a:t>7/30/25</a:t>
             </a:fld>
             <a:endParaRPr lang="en-US" dirty="0"/>
           </a:p>
@@ -16805,7 +16806,7 @@
             <a:fld id="{1D364696-E1F3-49EF-AEC8-730A16D9A23F}" type="datetimeFigureOut">
               <a:rPr lang="en-US" altLang="en-US" smtClean="0"/>
               <a:pPr/>
-              <a:t>7/24/25</a:t>
+              <a:t>7/30/25</a:t>
             </a:fld>
             <a:endParaRPr lang="en-US" altLang="en-US" dirty="0"/>
           </a:p>
@@ -17301,6 +17302,390 @@
     <p:bg>
       <p:bgPr>
         <a:solidFill>
+          <a:schemeClr val="accent3">
+            <a:lumMod val="50000"/>
+          </a:schemeClr>
+        </a:solidFill>
+        <a:effectLst/>
+      </p:bgPr>
+    </p:bg>
+    <p:spTree>
+      <p:nvGrpSpPr>
+        <p:cNvPr id="1" name="">
+          <a:extLst>
+            <a:ext uri="{FF2B5EF4-FFF2-40B4-BE49-F238E27FC236}">
+              <a16:creationId xmlns:a16="http://schemas.microsoft.com/office/drawing/2014/main" id="{055E53CC-5A65-9BFB-DBDD-0A2D618434BD}"/>
+            </a:ext>
+          </a:extLst>
+        </p:cNvPr>
+        <p:cNvGrpSpPr/>
+        <p:nvPr/>
+      </p:nvGrpSpPr>
+      <p:grpSpPr>
+        <a:xfrm>
+          <a:off x="0" y="0"/>
+          <a:ext cx="0" cy="0"/>
+          <a:chOff x="0" y="0"/>
+          <a:chExt cx="0" cy="0"/>
+        </a:xfrm>
+      </p:grpSpPr>
+      <p:sp>
+        <p:nvSpPr>
+          <p:cNvPr id="4" name="Title 3">
+            <a:extLst>
+              <a:ext uri="{FF2B5EF4-FFF2-40B4-BE49-F238E27FC236}">
+                <a16:creationId xmlns:a16="http://schemas.microsoft.com/office/drawing/2014/main" id="{58BB2887-72BE-B17F-C291-4B60DCCEBA6B}"/>
+              </a:ext>
+            </a:extLst>
+          </p:cNvPr>
+          <p:cNvSpPr>
+            <a:spLocks noGrp="1"/>
+          </p:cNvSpPr>
+          <p:nvPr>
+            <p:ph type="title"/>
+          </p:nvPr>
+        </p:nvSpPr>
+        <p:spPr>
+          <a:xfrm>
+            <a:off x="457198" y="897980"/>
+            <a:ext cx="5101937" cy="615553"/>
+          </a:xfrm>
+        </p:spPr>
+        <p:txBody>
+          <a:bodyPr anchor="ctr"/>
+          <a:lstStyle/>
+          <a:p>
+            <a:pPr algn="l"/>
+            <a:r>
+              <a:rPr lang="en-US" dirty="0"/>
+              <a:t>Tools and Resources</a:t>
+            </a:r>
+          </a:p>
+        </p:txBody>
+      </p:sp>
+      <p:sp>
+        <p:nvSpPr>
+          <p:cNvPr id="6" name="Text Placeholder 5">
+            <a:extLst>
+              <a:ext uri="{FF2B5EF4-FFF2-40B4-BE49-F238E27FC236}">
+                <a16:creationId xmlns:a16="http://schemas.microsoft.com/office/drawing/2014/main" id="{5FD82AA1-4545-8583-00AB-D7AB23C3CC45}"/>
+              </a:ext>
+            </a:extLst>
+          </p:cNvPr>
+          <p:cNvSpPr>
+            <a:spLocks noGrp="1"/>
+          </p:cNvSpPr>
+          <p:nvPr>
+            <p:ph type="body" sz="quarter" idx="12"/>
+          </p:nvPr>
+        </p:nvSpPr>
+        <p:spPr>
+          <a:xfrm>
+            <a:off x="457198" y="1722850"/>
+            <a:ext cx="10387084" cy="1534757"/>
+          </a:xfrm>
+        </p:spPr>
+        <p:txBody>
+          <a:bodyPr/>
+          <a:lstStyle/>
+          <a:p>
+            <a:pPr marL="285750" indent="-285750" algn="l">
+              <a:buFont typeface="Arial" panose="020B0604020202020204" pitchFamily="34" charset="0"/>
+              <a:buChar char="•"/>
+            </a:pPr>
+            <a:r>
+              <a:rPr lang="en-US" sz="1400" b="1" dirty="0">
+                <a:hlinkClick r:id="rId3"/>
+              </a:rPr>
+              <a:t>Accessibility Insights</a:t>
+            </a:r>
+            <a:r>
+              <a:rPr lang="en-US" sz="1400" dirty="0"/>
+              <a:t> – A Accessibility testing tool made by Microsoft</a:t>
+            </a:r>
+          </a:p>
+          <a:p>
+            <a:pPr lvl="1"/>
+            <a:r>
+              <a:rPr lang="en-US" sz="1400" dirty="0"/>
+              <a:t>Has browser extension and desktop application versions</a:t>
+            </a:r>
+          </a:p>
+          <a:p>
+            <a:pPr lvl="1"/>
+            <a:r>
+              <a:rPr lang="en-US" sz="1400" dirty="0"/>
+              <a:t>Also have the option to include the automated tests in CI/CD</a:t>
+            </a:r>
+          </a:p>
+          <a:p>
+            <a:pPr lvl="1"/>
+            <a:r>
+              <a:rPr lang="en-US" sz="1400" dirty="0"/>
+              <a:t>DON’T depend on automated tests</a:t>
+            </a:r>
+          </a:p>
+          <a:p>
+            <a:pPr marL="285750" indent="-285750" algn="l">
+              <a:buFont typeface="Arial" panose="020B0604020202020204" pitchFamily="34" charset="0"/>
+              <a:buChar char="•"/>
+            </a:pPr>
+            <a:r>
+              <a:rPr lang="en-US" sz="1400" b="1" dirty="0">
+                <a:hlinkClick r:id="rId4"/>
+              </a:rPr>
+              <a:t>NVDA</a:t>
+            </a:r>
+            <a:r>
+              <a:rPr lang="en-US" sz="1400" dirty="0"/>
+              <a:t> – free, open-sourced screen reader</a:t>
+            </a:r>
+          </a:p>
+          <a:p>
+            <a:pPr lvl="1"/>
+            <a:r>
+              <a:rPr lang="en-US" sz="1400" dirty="0"/>
+              <a:t>View keyboard shortcuts on at the Deque article entitled: </a:t>
+            </a:r>
+            <a:r>
+              <a:rPr lang="en-US" sz="1400" b="1" dirty="0">
+                <a:hlinkClick r:id="rId5"/>
+              </a:rPr>
+              <a:t>NVDA Keyboard Shortcuts</a:t>
+            </a:r>
+            <a:r>
+              <a:rPr lang="en-US" sz="1400" dirty="0"/>
+              <a:t>.</a:t>
+            </a:r>
+          </a:p>
+          <a:p>
+            <a:pPr marL="285750" indent="-285750" algn="l">
+              <a:buFont typeface="Arial" panose="020B0604020202020204" pitchFamily="34" charset="0"/>
+              <a:buChar char="•"/>
+            </a:pPr>
+            <a:r>
+              <a:rPr lang="en-US" sz="1400" b="1" dirty="0"/>
+              <a:t>Narrator</a:t>
+            </a:r>
+            <a:r>
+              <a:rPr lang="en-US" sz="1400" dirty="0"/>
+              <a:t> – screen reader built into Windows.</a:t>
+            </a:r>
+          </a:p>
+          <a:p>
+            <a:pPr lvl="1"/>
+            <a:r>
+              <a:rPr lang="en-US" sz="1400" dirty="0"/>
+              <a:t>View keyboard shortcuts for Narrator in the Deque article entitled </a:t>
+            </a:r>
+            <a:r>
+              <a:rPr lang="en-US" sz="1400" b="1" dirty="0">
+                <a:hlinkClick r:id="rId6"/>
+              </a:rPr>
+              <a:t>Narrator Keyboard Shortcuts</a:t>
+            </a:r>
+            <a:r>
+              <a:rPr lang="en-US" sz="1400" dirty="0"/>
+              <a:t>.</a:t>
+            </a:r>
+          </a:p>
+          <a:p>
+            <a:pPr marL="285750" indent="-285750" algn="l">
+              <a:buFont typeface="Arial" panose="020B0604020202020204" pitchFamily="34" charset="0"/>
+              <a:buChar char="•"/>
+            </a:pPr>
+            <a:r>
+              <a:rPr lang="en-US" sz="1400" b="1" dirty="0">
+                <a:hlinkClick r:id="rId7"/>
+              </a:rPr>
+              <a:t>Microsoft Accessibility</a:t>
+            </a:r>
+            <a:r>
+              <a:rPr lang="en-US" sz="1400" dirty="0">
+                <a:hlinkClick r:id="rId7"/>
+              </a:rPr>
+              <a:t> </a:t>
+            </a:r>
+            <a:r>
+              <a:rPr lang="en-US" sz="1400" dirty="0"/>
+              <a:t>on Twitter at </a:t>
+            </a:r>
+            <a:r>
+              <a:rPr lang="en-US" sz="1400" b="1" dirty="0">
+                <a:hlinkClick r:id="rId8"/>
+              </a:rPr>
+              <a:t>@MSFTEnable</a:t>
+            </a:r>
+            <a:r>
+              <a:rPr lang="en-US" sz="1400" b="1" dirty="0"/>
+              <a:t> </a:t>
+            </a:r>
+            <a:r>
+              <a:rPr lang="en-US" sz="1400" dirty="0"/>
+              <a:t>and at on the </a:t>
+            </a:r>
+            <a:r>
+              <a:rPr lang="en-US" sz="1400" dirty="0">
+                <a:hlinkClick r:id="rId7"/>
+              </a:rPr>
+              <a:t>Microsoft Accessibility page</a:t>
+            </a:r>
+            <a:r>
+              <a:rPr lang="en-US" sz="1400" dirty="0"/>
+              <a:t>.</a:t>
+            </a:r>
+            <a:endParaRPr lang="en-US" sz="1400" b="1" dirty="0"/>
+          </a:p>
+          <a:p>
+            <a:pPr marL="285750" indent="-285750" algn="l">
+              <a:buFont typeface="Arial" panose="020B0604020202020204" pitchFamily="34" charset="0"/>
+              <a:buChar char="•"/>
+            </a:pPr>
+            <a:r>
+              <a:rPr lang="en-US" sz="1400" b="1" dirty="0">
+                <a:hlinkClick r:id="rId9"/>
+              </a:rPr>
+              <a:t>Microsoft Accessibility Fundamentals course</a:t>
+            </a:r>
+            <a:endParaRPr lang="en-US" sz="1400" b="1" dirty="0"/>
+          </a:p>
+          <a:p>
+            <a:pPr marL="285750" indent="-285750" algn="l">
+              <a:buFont typeface="Arial" panose="020B0604020202020204" pitchFamily="34" charset="0"/>
+              <a:buChar char="•"/>
+            </a:pPr>
+            <a:r>
+              <a:rPr lang="en-US" sz="1400" b="1" dirty="0">
+                <a:hlinkClick r:id="rId10"/>
+              </a:rPr>
+              <a:t>ANDI</a:t>
+            </a:r>
+            <a:r>
+              <a:rPr lang="en-US" sz="1400" b="1" dirty="0"/>
+              <a:t> – </a:t>
+            </a:r>
+            <a:r>
+              <a:rPr lang="en-US" sz="1400" dirty="0"/>
+              <a:t>Bookmarklet developed by the Social Security Administration to aid in accessibility testing.</a:t>
+            </a:r>
+          </a:p>
+          <a:p>
+            <a:pPr marL="285750" indent="-285750" algn="l">
+              <a:buFont typeface="Arial" panose="020B0604020202020204" pitchFamily="34" charset="0"/>
+              <a:buChar char="•"/>
+            </a:pPr>
+            <a:r>
+              <a:rPr lang="en-US" sz="1400" b="1" dirty="0">
+                <a:hlinkClick r:id="rId11"/>
+              </a:rPr>
+              <a:t>VGAR</a:t>
+            </a:r>
+            <a:r>
+              <a:rPr lang="en-US" sz="1400" dirty="0"/>
+              <a:t> – Visa Global Accessibility Requirements</a:t>
+            </a:r>
+          </a:p>
+          <a:p>
+            <a:pPr marL="285750" indent="-285750" algn="l">
+              <a:buFont typeface="Arial" panose="020B0604020202020204" pitchFamily="34" charset="0"/>
+              <a:buChar char="•"/>
+            </a:pPr>
+            <a:r>
+              <a:rPr lang="en-US" sz="1400" b="1" dirty="0">
+                <a:hlinkClick r:id="rId12"/>
+              </a:rPr>
+              <a:t>Section 508 ICT Testing Baseline for Web</a:t>
+            </a:r>
+            <a:r>
+              <a:rPr lang="en-US" sz="1400" dirty="0"/>
+              <a:t> - This Baseline identifies the minimum requirements of any test process used to determine conformance of web content with the Revised Section 508 of the Rehabilitation Act of 1973, as amended (29 U.S.C. 794d).</a:t>
+            </a:r>
+          </a:p>
+          <a:p>
+            <a:pPr marL="285750" indent="-285750" algn="l">
+              <a:buFont typeface="Arial" panose="020B0604020202020204" pitchFamily="34" charset="0"/>
+              <a:buChar char="•"/>
+            </a:pPr>
+            <a:r>
+              <a:rPr lang="en-US" sz="1400" b="1" dirty="0">
+                <a:hlinkClick r:id="rId13"/>
+              </a:rPr>
+              <a:t>Trusted Tester: Section 508 Conformance Test Process for Web</a:t>
+            </a:r>
+            <a:r>
+              <a:rPr lang="en-US" sz="1400" dirty="0"/>
+              <a:t> – A standardized approach for manual inspection of web content for conformance with the revised Section 508 Standards.</a:t>
+            </a:r>
+          </a:p>
+          <a:p>
+            <a:pPr marL="285750" indent="-285750" algn="l">
+              <a:buFont typeface="Arial" panose="020B0604020202020204" pitchFamily="34" charset="0"/>
+              <a:buChar char="•"/>
+            </a:pPr>
+            <a:r>
+              <a:rPr lang="en-US" sz="1400" b="1" dirty="0">
+                <a:hlinkClick r:id="rId14"/>
+              </a:rPr>
+              <a:t>IT Accessibility Laws and Policies | Policy &amp; Management | Section508.gov</a:t>
+            </a:r>
+            <a:r>
+              <a:rPr lang="en-US" sz="1400" dirty="0"/>
+              <a:t> – A page maintained by the GSA that provides information on some Accessibility related laws and policies</a:t>
+            </a:r>
+          </a:p>
+          <a:p>
+            <a:pPr marL="285750" indent="-285750" algn="l">
+              <a:buFont typeface="Arial" panose="020B0604020202020204" pitchFamily="34" charset="0"/>
+              <a:buChar char="•"/>
+            </a:pPr>
+            <a:r>
+              <a:rPr lang="en-US" sz="1400" b="1" dirty="0">
+                <a:hlinkClick r:id="rId15"/>
+              </a:rPr>
+              <a:t>Web Accessibility Laws &amp; Policies | WAI | W3C</a:t>
+            </a:r>
+            <a:r>
+              <a:rPr lang="en-US" sz="1400" b="1" dirty="0"/>
+              <a:t> </a:t>
+            </a:r>
+            <a:r>
+              <a:rPr lang="en-US" sz="1400" dirty="0"/>
+              <a:t>– Lists some United States governmental policies, regulations, and standards related to web accessibility.</a:t>
+            </a:r>
+          </a:p>
+        </p:txBody>
+      </p:sp>
+    </p:spTree>
+    <p:extLst>
+      <p:ext uri="{BB962C8B-B14F-4D97-AF65-F5344CB8AC3E}">
+        <p14:creationId xmlns:p14="http://schemas.microsoft.com/office/powerpoint/2010/main" val="2814559039"/>
+      </p:ext>
+    </p:extLst>
+  </p:cSld>
+  <p:clrMapOvr>
+    <a:masterClrMapping/>
+  </p:clrMapOvr>
+  <mc:AlternateContent xmlns:mc="http://schemas.openxmlformats.org/markup-compatibility/2006" xmlns:p14="http://schemas.microsoft.com/office/powerpoint/2010/main">
+    <mc:Choice Requires="p14">
+      <p:transition spd="med" p14:dur="700">
+        <p:fade/>
+      </p:transition>
+    </mc:Choice>
+    <mc:Fallback xmlns="">
+      <p:transition spd="med">
+        <p:fade/>
+      </p:transition>
+    </mc:Fallback>
+  </mc:AlternateContent>
+</p:sld>
+</file>
+
+<file path=ppt/slides/slide11.xml><?xml version="1.0" encoding="utf-8"?>
+<p:sld xmlns:a="http://schemas.openxmlformats.org/drawingml/2006/main" xmlns:r="http://schemas.openxmlformats.org/officeDocument/2006/relationships" xmlns:p="http://schemas.openxmlformats.org/presentationml/2006/main">
+  <p:cSld>
+    <p:bg>
+      <p:bgPr>
+        <a:solidFill>
           <a:schemeClr val="bg1"/>
         </a:solidFill>
         <a:effectLst/>
@@ -17462,6 +17847,128 @@
     <p:bg>
       <p:bgPr>
         <a:solidFill>
+          <a:schemeClr val="accent3">
+            <a:lumMod val="50000"/>
+          </a:schemeClr>
+        </a:solidFill>
+        <a:effectLst/>
+      </p:bgPr>
+    </p:bg>
+    <p:spTree>
+      <p:nvGrpSpPr>
+        <p:cNvPr id="1" name="">
+          <a:extLst>
+            <a:ext uri="{FF2B5EF4-FFF2-40B4-BE49-F238E27FC236}">
+              <a16:creationId xmlns:a16="http://schemas.microsoft.com/office/drawing/2014/main" id="{1F207E86-F758-FD31-6F39-F2776305364E}"/>
+            </a:ext>
+          </a:extLst>
+        </p:cNvPr>
+        <p:cNvGrpSpPr/>
+        <p:nvPr/>
+      </p:nvGrpSpPr>
+      <p:grpSpPr>
+        <a:xfrm>
+          <a:off x="0" y="0"/>
+          <a:ext cx="0" cy="0"/>
+          <a:chOff x="0" y="0"/>
+          <a:chExt cx="0" cy="0"/>
+        </a:xfrm>
+      </p:grpSpPr>
+      <p:sp>
+        <p:nvSpPr>
+          <p:cNvPr id="2" name="Title 1">
+            <a:extLst>
+              <a:ext uri="{FF2B5EF4-FFF2-40B4-BE49-F238E27FC236}">
+                <a16:creationId xmlns:a16="http://schemas.microsoft.com/office/drawing/2014/main" id="{0E72E151-C1D4-B30E-A1C5-3170FD1E76C2}"/>
+              </a:ext>
+            </a:extLst>
+          </p:cNvPr>
+          <p:cNvSpPr>
+            <a:spLocks noGrp="1"/>
+          </p:cNvSpPr>
+          <p:nvPr>
+            <p:ph type="title"/>
+          </p:nvPr>
+        </p:nvSpPr>
+        <p:spPr>
+          <a:xfrm>
+            <a:off x="-5975796" y="-621506"/>
+            <a:ext cx="15598004" cy="1243012"/>
+          </a:xfrm>
+        </p:spPr>
+        <p:txBody>
+          <a:bodyPr/>
+          <a:lstStyle/>
+          <a:p>
+            <a:pPr algn="l"/>
+            <a:r>
+              <a:rPr lang="en-US" dirty="0"/>
+              <a:t>Cincy Delivery Sponsors</a:t>
+            </a:r>
+          </a:p>
+        </p:txBody>
+      </p:sp>
+      <p:pic>
+        <p:nvPicPr>
+          <p:cNvPr id="6" name="Picture 5" descr="Cincy Deliver 2025 Sponsors. DIamond level includes ingage, rezoomex, and The Japiske Family Foundation. Gold level includes atomic robot, Project Management Institute of Southwest Ohio and Dayton/Miami Valley, Ohio. Silver includes scrum.org and Coffee Break.">
+            <a:extLst>
+              <a:ext uri="{FF2B5EF4-FFF2-40B4-BE49-F238E27FC236}">
+                <a16:creationId xmlns:a16="http://schemas.microsoft.com/office/drawing/2014/main" id="{A3A668AB-E6D5-5F6A-5F18-1F92B9EC5BDC}"/>
+              </a:ext>
+            </a:extLst>
+          </p:cNvPr>
+          <p:cNvPicPr>
+            <a:picLocks noChangeAspect="1"/>
+          </p:cNvPicPr>
+          <p:nvPr/>
+        </p:nvPicPr>
+        <p:blipFill>
+          <a:blip r:embed="rId2"/>
+          <a:stretch>
+            <a:fillRect/>
+          </a:stretch>
+        </p:blipFill>
+        <p:spPr>
+          <a:xfrm>
+            <a:off x="1107671" y="623065"/>
+            <a:ext cx="9976658" cy="5611870"/>
+          </a:xfrm>
+          <a:prstGeom prst="rect">
+            <a:avLst/>
+          </a:prstGeom>
+        </p:spPr>
+      </p:pic>
+    </p:spTree>
+    <p:extLst>
+      <p:ext uri="{BB962C8B-B14F-4D97-AF65-F5344CB8AC3E}">
+        <p14:creationId xmlns:p14="http://schemas.microsoft.com/office/powerpoint/2010/main" val="1309568406"/>
+      </p:ext>
+    </p:extLst>
+  </p:cSld>
+  <p:clrMapOvr>
+    <a:masterClrMapping/>
+  </p:clrMapOvr>
+  <mc:AlternateContent xmlns:mc="http://schemas.openxmlformats.org/markup-compatibility/2006">
+    <mc:Choice xmlns:p14="http://schemas.microsoft.com/office/powerpoint/2010/main" Requires="p14">
+      <p:transition spd="med" p14:dur="700">
+        <p:fade/>
+      </p:transition>
+    </mc:Choice>
+    <mc:Fallback>
+      <p:transition spd="med">
+        <p:fade/>
+      </p:transition>
+    </mc:Fallback>
+  </mc:AlternateContent>
+</p:sld>
+</file>
+
+<file path=ppt/slides/slide3.xml><?xml version="1.0" encoding="utf-8"?>
+<p:sld xmlns:a="http://schemas.openxmlformats.org/drawingml/2006/main" xmlns:r="http://schemas.openxmlformats.org/officeDocument/2006/relationships" xmlns:p="http://schemas.openxmlformats.org/presentationml/2006/main">
+  <p:cSld>
+    <p:bg>
+      <p:bgPr>
+        <a:solidFill>
           <a:schemeClr val="accent4">
             <a:lumMod val="50000"/>
           </a:schemeClr>
@@ -17573,9 +18080,19 @@
 </p:sld>
 </file>
 
-<file path=ppt/slides/slide3.xml><?xml version="1.0" encoding="utf-8"?>
+<file path=ppt/slides/slide4.xml><?xml version="1.0" encoding="utf-8"?>
 <p:sld xmlns:a="http://schemas.openxmlformats.org/drawingml/2006/main" xmlns:r="http://schemas.openxmlformats.org/officeDocument/2006/relationships" xmlns:p="http://schemas.openxmlformats.org/presentationml/2006/main">
   <p:cSld>
+    <p:bg>
+      <p:bgPr>
+        <a:solidFill>
+          <a:schemeClr val="accent1">
+            <a:lumMod val="50000"/>
+          </a:schemeClr>
+        </a:solidFill>
+        <a:effectLst/>
+      </p:bgPr>
+    </p:bg>
     <p:spTree>
       <p:nvGrpSpPr>
         <p:cNvPr id="1" name=""/>
@@ -17754,7 +18271,7 @@
 </p:sld>
 </file>
 
-<file path=ppt/slides/slide4.xml><?xml version="1.0" encoding="utf-8"?>
+<file path=ppt/slides/slide5.xml><?xml version="1.0" encoding="utf-8"?>
 <p:sld xmlns:a="http://schemas.openxmlformats.org/drawingml/2006/main" xmlns:r="http://schemas.openxmlformats.org/officeDocument/2006/relationships" xmlns:p="http://schemas.openxmlformats.org/presentationml/2006/main">
   <p:cSld>
     <p:bg>
@@ -18179,7 +18696,7 @@
 </p:sld>
 </file>
 
-<file path=ppt/slides/slide5.xml><?xml version="1.0" encoding="utf-8"?>
+<file path=ppt/slides/slide6.xml><?xml version="1.0" encoding="utf-8"?>
 <p:sld xmlns:a="http://schemas.openxmlformats.org/drawingml/2006/main" xmlns:r="http://schemas.openxmlformats.org/officeDocument/2006/relationships" xmlns:p="http://schemas.openxmlformats.org/presentationml/2006/main">
   <p:cSld>
     <p:bg>
@@ -19352,7 +19869,7 @@
 </p:sld>
 </file>
 
-<file path=ppt/slides/slide6.xml><?xml version="1.0" encoding="utf-8"?>
+<file path=ppt/slides/slide7.xml><?xml version="1.0" encoding="utf-8"?>
 <p:sld xmlns:a="http://schemas.openxmlformats.org/drawingml/2006/main" xmlns:r="http://schemas.openxmlformats.org/officeDocument/2006/relationships" xmlns:p="http://schemas.openxmlformats.org/presentationml/2006/main">
   <p:cSld>
     <p:bg>
@@ -19904,7 +20421,7 @@
 </p:sld>
 </file>
 
-<file path=ppt/slides/slide7.xml><?xml version="1.0" encoding="utf-8"?>
+<file path=ppt/slides/slide8.xml><?xml version="1.0" encoding="utf-8"?>
 <p:sld xmlns:a="http://schemas.openxmlformats.org/drawingml/2006/main" xmlns:r="http://schemas.openxmlformats.org/officeDocument/2006/relationships" xmlns:p="http://schemas.openxmlformats.org/presentationml/2006/main">
   <p:cSld>
     <p:bg>
@@ -19945,7 +20462,12 @@
             <p:ph type="title"/>
           </p:nvPr>
         </p:nvSpPr>
-        <p:spPr/>
+        <p:spPr>
+          <a:xfrm>
+            <a:off x="0" y="-942108"/>
+            <a:ext cx="6096000" cy="1219200"/>
+          </a:xfrm>
+        </p:spPr>
         <p:txBody>
           <a:bodyPr/>
           <a:lstStyle/>
@@ -20430,6 +20952,168 @@
           </a:p>
         </p:txBody>
       </p:sp>
+      <p:sp>
+        <p:nvSpPr>
+          <p:cNvPr id="4" name="Graphic 22" descr="Speech with solid fill">
+            <a:extLst>
+              <a:ext uri="{FF2B5EF4-FFF2-40B4-BE49-F238E27FC236}">
+                <a16:creationId xmlns:a16="http://schemas.microsoft.com/office/drawing/2014/main" id="{E086D509-4BDE-01A6-9C94-668B05F528C8}"/>
+              </a:ext>
+            </a:extLst>
+          </p:cNvPr>
+          <p:cNvSpPr/>
+          <p:nvPr/>
+        </p:nvSpPr>
+        <p:spPr>
+          <a:xfrm flipH="1">
+            <a:off x="2014888" y="2061766"/>
+            <a:ext cx="2791374" cy="1219200"/>
+          </a:xfrm>
+          <a:custGeom>
+            <a:avLst/>
+            <a:gdLst>
+              <a:gd name="connsiteX0" fmla="*/ 5025073 w 5289550"/>
+              <a:gd name="connsiteY0" fmla="*/ 0 h 2630251"/>
+              <a:gd name="connsiteX1" fmla="*/ 264477 w 5289550"/>
+              <a:gd name="connsiteY1" fmla="*/ 0 h 2630251"/>
+              <a:gd name="connsiteX2" fmla="*/ 0 w 5289550"/>
+              <a:gd name="connsiteY2" fmla="*/ 144240 h 2630251"/>
+              <a:gd name="connsiteX3" fmla="*/ 0 w 5289550"/>
+              <a:gd name="connsiteY3" fmla="*/ 1896326 h 2630251"/>
+              <a:gd name="connsiteX4" fmla="*/ 264477 w 5289550"/>
+              <a:gd name="connsiteY4" fmla="*/ 2040566 h 2630251"/>
+              <a:gd name="connsiteX5" fmla="*/ 3173730 w 5289550"/>
+              <a:gd name="connsiteY5" fmla="*/ 2040566 h 2630251"/>
+              <a:gd name="connsiteX6" fmla="*/ 4231640 w 5289550"/>
+              <a:gd name="connsiteY6" fmla="*/ 2630251 h 2630251"/>
+              <a:gd name="connsiteX7" fmla="*/ 4231640 w 5289550"/>
+              <a:gd name="connsiteY7" fmla="*/ 2044808 h 2630251"/>
+              <a:gd name="connsiteX8" fmla="*/ 5025073 w 5289550"/>
+              <a:gd name="connsiteY8" fmla="*/ 2044808 h 2630251"/>
+              <a:gd name="connsiteX9" fmla="*/ 5289550 w 5289550"/>
+              <a:gd name="connsiteY9" fmla="*/ 1900569 h 2630251"/>
+              <a:gd name="connsiteX10" fmla="*/ 5289550 w 5289550"/>
+              <a:gd name="connsiteY10" fmla="*/ 148482 h 2630251"/>
+              <a:gd name="connsiteX11" fmla="*/ 5025073 w 5289550"/>
+              <a:gd name="connsiteY11" fmla="*/ 0 h 2630251"/>
+            </a:gdLst>
+            <a:ahLst/>
+            <a:cxnLst>
+              <a:cxn ang="0">
+                <a:pos x="connsiteX0" y="connsiteY0"/>
+              </a:cxn>
+              <a:cxn ang="0">
+                <a:pos x="connsiteX1" y="connsiteY1"/>
+              </a:cxn>
+              <a:cxn ang="0">
+                <a:pos x="connsiteX2" y="connsiteY2"/>
+              </a:cxn>
+              <a:cxn ang="0">
+                <a:pos x="connsiteX3" y="connsiteY3"/>
+              </a:cxn>
+              <a:cxn ang="0">
+                <a:pos x="connsiteX4" y="connsiteY4"/>
+              </a:cxn>
+              <a:cxn ang="0">
+                <a:pos x="connsiteX5" y="connsiteY5"/>
+              </a:cxn>
+              <a:cxn ang="0">
+                <a:pos x="connsiteX6" y="connsiteY6"/>
+              </a:cxn>
+              <a:cxn ang="0">
+                <a:pos x="connsiteX7" y="connsiteY7"/>
+              </a:cxn>
+              <a:cxn ang="0">
+                <a:pos x="connsiteX8" y="connsiteY8"/>
+              </a:cxn>
+              <a:cxn ang="0">
+                <a:pos x="connsiteX9" y="connsiteY9"/>
+              </a:cxn>
+              <a:cxn ang="0">
+                <a:pos x="connsiteX10" y="connsiteY10"/>
+              </a:cxn>
+              <a:cxn ang="0">
+                <a:pos x="connsiteX11" y="connsiteY11"/>
+              </a:cxn>
+            </a:cxnLst>
+            <a:rect l="l" t="t" r="r" b="b"/>
+            <a:pathLst>
+              <a:path w="5289550" h="2630251">
+                <a:moveTo>
+                  <a:pt x="5025073" y="0"/>
+                </a:moveTo>
+                <a:lnTo>
+                  <a:pt x="264477" y="0"/>
+                </a:lnTo>
+                <a:cubicBezTo>
+                  <a:pt x="116681" y="0"/>
+                  <a:pt x="0" y="67877"/>
+                  <a:pt x="0" y="144240"/>
+                </a:cubicBezTo>
+                <a:lnTo>
+                  <a:pt x="0" y="1896326"/>
+                </a:lnTo>
+                <a:cubicBezTo>
+                  <a:pt x="0" y="1976931"/>
+                  <a:pt x="116681" y="2040566"/>
+                  <a:pt x="264477" y="2040566"/>
+                </a:cubicBezTo>
+                <a:lnTo>
+                  <a:pt x="3173730" y="2040566"/>
+                </a:lnTo>
+                <a:lnTo>
+                  <a:pt x="4231640" y="2630251"/>
+                </a:lnTo>
+                <a:lnTo>
+                  <a:pt x="4231640" y="2044808"/>
+                </a:lnTo>
+                <a:lnTo>
+                  <a:pt x="5025073" y="2044808"/>
+                </a:lnTo>
+                <a:cubicBezTo>
+                  <a:pt x="5172869" y="2044808"/>
+                  <a:pt x="5289550" y="1976931"/>
+                  <a:pt x="5289550" y="1900569"/>
+                </a:cubicBezTo>
+                <a:lnTo>
+                  <a:pt x="5289550" y="148482"/>
+                </a:lnTo>
+                <a:cubicBezTo>
+                  <a:pt x="5289550" y="67877"/>
+                  <a:pt x="5172869" y="0"/>
+                  <a:pt x="5025073" y="0"/>
+                </a:cubicBezTo>
+                <a:close/>
+              </a:path>
+            </a:pathLst>
+          </a:custGeom>
+          <a:solidFill>
+            <a:srgbClr val="FFFFFF"/>
+          </a:solidFill>
+          <a:ln w="77788" cap="flat">
+            <a:noFill/>
+            <a:prstDash val="solid"/>
+            <a:miter/>
+          </a:ln>
+        </p:spPr>
+        <p:txBody>
+          <a:bodyPr lIns="365760" tIns="0" rIns="0" bIns="274320" rtlCol="0" anchor="ctr" anchorCtr="0">
+            <a:noAutofit/>
+          </a:bodyPr>
+          <a:lstStyle/>
+          <a:p>
+            <a:pPr marL="0" lvl="1"/>
+            <a:r>
+              <a:rPr lang="en-US" altLang="en-US" dirty="0">
+                <a:solidFill>
+                  <a:schemeClr val="bg1"/>
+                </a:solidFill>
+              </a:rPr>
+              <a:t>Why should I care?</a:t>
+            </a:r>
+          </a:p>
+        </p:txBody>
+      </p:sp>
     </p:spTree>
     <p:extLst>
       <p:ext uri="{BB962C8B-B14F-4D97-AF65-F5344CB8AC3E}">
@@ -20455,7 +21139,7 @@
 </p:sld>
 </file>
 
-<file path=ppt/slides/slide8.xml><?xml version="1.0" encoding="utf-8"?>
+<file path=ppt/slides/slide9.xml><?xml version="1.0" encoding="utf-8"?>
 <p:sld xmlns:a="http://schemas.openxmlformats.org/drawingml/2006/main" xmlns:r="http://schemas.openxmlformats.org/officeDocument/2006/relationships" xmlns:p="http://schemas.openxmlformats.org/presentationml/2006/main">
   <p:cSld>
     <p:bg>
@@ -20660,390 +21344,6 @@
         </p:spPr>
       </p:pic>
     </p:spTree>
-  </p:cSld>
-  <p:clrMapOvr>
-    <a:masterClrMapping/>
-  </p:clrMapOvr>
-  <mc:AlternateContent xmlns:mc="http://schemas.openxmlformats.org/markup-compatibility/2006" xmlns:p14="http://schemas.microsoft.com/office/powerpoint/2010/main">
-    <mc:Choice Requires="p14">
-      <p:transition spd="med" p14:dur="700">
-        <p:fade/>
-      </p:transition>
-    </mc:Choice>
-    <mc:Fallback xmlns="">
-      <p:transition spd="med">
-        <p:fade/>
-      </p:transition>
-    </mc:Fallback>
-  </mc:AlternateContent>
-</p:sld>
-</file>
-
-<file path=ppt/slides/slide9.xml><?xml version="1.0" encoding="utf-8"?>
-<p:sld xmlns:a="http://schemas.openxmlformats.org/drawingml/2006/main" xmlns:r="http://schemas.openxmlformats.org/officeDocument/2006/relationships" xmlns:p="http://schemas.openxmlformats.org/presentationml/2006/main">
-  <p:cSld>
-    <p:bg>
-      <p:bgPr>
-        <a:solidFill>
-          <a:schemeClr val="accent3">
-            <a:lumMod val="75000"/>
-          </a:schemeClr>
-        </a:solidFill>
-        <a:effectLst/>
-      </p:bgPr>
-    </p:bg>
-    <p:spTree>
-      <p:nvGrpSpPr>
-        <p:cNvPr id="1" name="">
-          <a:extLst>
-            <a:ext uri="{FF2B5EF4-FFF2-40B4-BE49-F238E27FC236}">
-              <a16:creationId xmlns:a16="http://schemas.microsoft.com/office/drawing/2014/main" id="{055E53CC-5A65-9BFB-DBDD-0A2D618434BD}"/>
-            </a:ext>
-          </a:extLst>
-        </p:cNvPr>
-        <p:cNvGrpSpPr/>
-        <p:nvPr/>
-      </p:nvGrpSpPr>
-      <p:grpSpPr>
-        <a:xfrm>
-          <a:off x="0" y="0"/>
-          <a:ext cx="0" cy="0"/>
-          <a:chOff x="0" y="0"/>
-          <a:chExt cx="0" cy="0"/>
-        </a:xfrm>
-      </p:grpSpPr>
-      <p:sp>
-        <p:nvSpPr>
-          <p:cNvPr id="4" name="Title 3">
-            <a:extLst>
-              <a:ext uri="{FF2B5EF4-FFF2-40B4-BE49-F238E27FC236}">
-                <a16:creationId xmlns:a16="http://schemas.microsoft.com/office/drawing/2014/main" id="{58BB2887-72BE-B17F-C291-4B60DCCEBA6B}"/>
-              </a:ext>
-            </a:extLst>
-          </p:cNvPr>
-          <p:cNvSpPr>
-            <a:spLocks noGrp="1"/>
-          </p:cNvSpPr>
-          <p:nvPr>
-            <p:ph type="title"/>
-          </p:nvPr>
-        </p:nvSpPr>
-        <p:spPr>
-          <a:xfrm>
-            <a:off x="457198" y="897980"/>
-            <a:ext cx="5101937" cy="615553"/>
-          </a:xfrm>
-        </p:spPr>
-        <p:txBody>
-          <a:bodyPr anchor="ctr"/>
-          <a:lstStyle/>
-          <a:p>
-            <a:pPr algn="l"/>
-            <a:r>
-              <a:rPr lang="en-US" dirty="0"/>
-              <a:t>Tools and Resources</a:t>
-            </a:r>
-          </a:p>
-        </p:txBody>
-      </p:sp>
-      <p:sp>
-        <p:nvSpPr>
-          <p:cNvPr id="6" name="Text Placeholder 5">
-            <a:extLst>
-              <a:ext uri="{FF2B5EF4-FFF2-40B4-BE49-F238E27FC236}">
-                <a16:creationId xmlns:a16="http://schemas.microsoft.com/office/drawing/2014/main" id="{5FD82AA1-4545-8583-00AB-D7AB23C3CC45}"/>
-              </a:ext>
-            </a:extLst>
-          </p:cNvPr>
-          <p:cNvSpPr>
-            <a:spLocks noGrp="1"/>
-          </p:cNvSpPr>
-          <p:nvPr>
-            <p:ph type="body" sz="quarter" idx="12"/>
-          </p:nvPr>
-        </p:nvSpPr>
-        <p:spPr>
-          <a:xfrm>
-            <a:off x="457198" y="1722850"/>
-            <a:ext cx="10387084" cy="1534757"/>
-          </a:xfrm>
-        </p:spPr>
-        <p:txBody>
-          <a:bodyPr/>
-          <a:lstStyle/>
-          <a:p>
-            <a:pPr marL="285750" indent="-285750" algn="l">
-              <a:buFont typeface="Arial" panose="020B0604020202020204" pitchFamily="34" charset="0"/>
-              <a:buChar char="•"/>
-            </a:pPr>
-            <a:r>
-              <a:rPr lang="en-US" sz="1400" b="1" dirty="0">
-                <a:hlinkClick r:id="rId3"/>
-              </a:rPr>
-              <a:t>Accessibility Insights</a:t>
-            </a:r>
-            <a:r>
-              <a:rPr lang="en-US" sz="1400" dirty="0"/>
-              <a:t> – A Accessibility testing tool made by Microsoft</a:t>
-            </a:r>
-          </a:p>
-          <a:p>
-            <a:pPr lvl="1"/>
-            <a:r>
-              <a:rPr lang="en-US" sz="1400" dirty="0"/>
-              <a:t>Has browser extension and desktop application versions</a:t>
-            </a:r>
-          </a:p>
-          <a:p>
-            <a:pPr lvl="1"/>
-            <a:r>
-              <a:rPr lang="en-US" sz="1400" dirty="0"/>
-              <a:t>Also have the option to include the automated tests in CI/CD</a:t>
-            </a:r>
-          </a:p>
-          <a:p>
-            <a:pPr lvl="1"/>
-            <a:r>
-              <a:rPr lang="en-US" sz="1400" dirty="0"/>
-              <a:t>DON’T depend on automated tests</a:t>
-            </a:r>
-          </a:p>
-          <a:p>
-            <a:pPr marL="285750" indent="-285750" algn="l">
-              <a:buFont typeface="Arial" panose="020B0604020202020204" pitchFamily="34" charset="0"/>
-              <a:buChar char="•"/>
-            </a:pPr>
-            <a:r>
-              <a:rPr lang="en-US" sz="1400" b="1" dirty="0">
-                <a:hlinkClick r:id="rId4"/>
-              </a:rPr>
-              <a:t>NVDA</a:t>
-            </a:r>
-            <a:r>
-              <a:rPr lang="en-US" sz="1400" dirty="0"/>
-              <a:t> – free, open-sourced screen reader</a:t>
-            </a:r>
-          </a:p>
-          <a:p>
-            <a:pPr lvl="1"/>
-            <a:r>
-              <a:rPr lang="en-US" sz="1400" dirty="0"/>
-              <a:t>View keyboard shortcuts on at the Deque article entitled: </a:t>
-            </a:r>
-            <a:r>
-              <a:rPr lang="en-US" sz="1400" b="1" dirty="0">
-                <a:hlinkClick r:id="rId5"/>
-              </a:rPr>
-              <a:t>NVDA Keyboard Shortcuts</a:t>
-            </a:r>
-            <a:r>
-              <a:rPr lang="en-US" sz="1400" dirty="0"/>
-              <a:t>.</a:t>
-            </a:r>
-          </a:p>
-          <a:p>
-            <a:pPr marL="285750" indent="-285750" algn="l">
-              <a:buFont typeface="Arial" panose="020B0604020202020204" pitchFamily="34" charset="0"/>
-              <a:buChar char="•"/>
-            </a:pPr>
-            <a:r>
-              <a:rPr lang="en-US" sz="1400" b="1" dirty="0"/>
-              <a:t>Narrator</a:t>
-            </a:r>
-            <a:r>
-              <a:rPr lang="en-US" sz="1400" dirty="0"/>
-              <a:t> – screen reader built into Windows.</a:t>
-            </a:r>
-          </a:p>
-          <a:p>
-            <a:pPr lvl="1"/>
-            <a:r>
-              <a:rPr lang="en-US" sz="1400" dirty="0"/>
-              <a:t>View keyboard shortcuts for Narrator in the Deque article entitled </a:t>
-            </a:r>
-            <a:r>
-              <a:rPr lang="en-US" sz="1400" b="1" dirty="0">
-                <a:hlinkClick r:id="rId6"/>
-              </a:rPr>
-              <a:t>Narrator Keyboard Shortcuts</a:t>
-            </a:r>
-            <a:r>
-              <a:rPr lang="en-US" sz="1400" dirty="0"/>
-              <a:t>.</a:t>
-            </a:r>
-          </a:p>
-          <a:p>
-            <a:pPr marL="285750" indent="-285750" algn="l">
-              <a:buFont typeface="Arial" panose="020B0604020202020204" pitchFamily="34" charset="0"/>
-              <a:buChar char="•"/>
-            </a:pPr>
-            <a:r>
-              <a:rPr lang="en-US" sz="1400" b="1" dirty="0">
-                <a:hlinkClick r:id="rId7"/>
-              </a:rPr>
-              <a:t>Microsoft Accessibility</a:t>
-            </a:r>
-            <a:r>
-              <a:rPr lang="en-US" sz="1400" dirty="0">
-                <a:hlinkClick r:id="rId7"/>
-              </a:rPr>
-              <a:t> </a:t>
-            </a:r>
-            <a:r>
-              <a:rPr lang="en-US" sz="1400" dirty="0"/>
-              <a:t>on Twitter at </a:t>
-            </a:r>
-            <a:r>
-              <a:rPr lang="en-US" sz="1400" b="1" dirty="0">
-                <a:hlinkClick r:id="rId8"/>
-              </a:rPr>
-              <a:t>@MSFTEnable</a:t>
-            </a:r>
-            <a:r>
-              <a:rPr lang="en-US" sz="1400" b="1" dirty="0"/>
-              <a:t> </a:t>
-            </a:r>
-            <a:r>
-              <a:rPr lang="en-US" sz="1400" dirty="0"/>
-              <a:t>and at on the </a:t>
-            </a:r>
-            <a:r>
-              <a:rPr lang="en-US" sz="1400" dirty="0">
-                <a:hlinkClick r:id="rId7"/>
-              </a:rPr>
-              <a:t>Microsoft Accessibility page</a:t>
-            </a:r>
-            <a:r>
-              <a:rPr lang="en-US" sz="1400" dirty="0"/>
-              <a:t>.</a:t>
-            </a:r>
-            <a:endParaRPr lang="en-US" sz="1400" b="1" dirty="0"/>
-          </a:p>
-          <a:p>
-            <a:pPr marL="285750" indent="-285750" algn="l">
-              <a:buFont typeface="Arial" panose="020B0604020202020204" pitchFamily="34" charset="0"/>
-              <a:buChar char="•"/>
-            </a:pPr>
-            <a:r>
-              <a:rPr lang="en-US" sz="1400" b="1" dirty="0">
-                <a:hlinkClick r:id="rId9"/>
-              </a:rPr>
-              <a:t>Microsoft Accessibility Fundamentals course</a:t>
-            </a:r>
-            <a:endParaRPr lang="en-US" sz="1400" b="1" dirty="0"/>
-          </a:p>
-          <a:p>
-            <a:pPr marL="285750" indent="-285750" algn="l">
-              <a:buFont typeface="Arial" panose="020B0604020202020204" pitchFamily="34" charset="0"/>
-              <a:buChar char="•"/>
-            </a:pPr>
-            <a:r>
-              <a:rPr lang="en-US" sz="1400" b="1" dirty="0">
-                <a:hlinkClick r:id="rId10"/>
-              </a:rPr>
-              <a:t>ANDI</a:t>
-            </a:r>
-            <a:r>
-              <a:rPr lang="en-US" sz="1400" b="1" dirty="0"/>
-              <a:t> – </a:t>
-            </a:r>
-            <a:r>
-              <a:rPr lang="en-US" sz="1400" dirty="0"/>
-              <a:t>Bookmarklet developed by the Social Security Administration to aid in accessibility testing.</a:t>
-            </a:r>
-          </a:p>
-          <a:p>
-            <a:pPr marL="285750" indent="-285750" algn="l">
-              <a:buFont typeface="Arial" panose="020B0604020202020204" pitchFamily="34" charset="0"/>
-              <a:buChar char="•"/>
-            </a:pPr>
-            <a:r>
-              <a:rPr lang="en-US" sz="1400" b="1" dirty="0">
-                <a:hlinkClick r:id="rId11"/>
-              </a:rPr>
-              <a:t>VGAR</a:t>
-            </a:r>
-            <a:r>
-              <a:rPr lang="en-US" sz="1400" dirty="0"/>
-              <a:t> – Visa Global Accessibility Requirements</a:t>
-            </a:r>
-          </a:p>
-          <a:p>
-            <a:pPr marL="285750" indent="-285750" algn="l">
-              <a:buFont typeface="Arial" panose="020B0604020202020204" pitchFamily="34" charset="0"/>
-              <a:buChar char="•"/>
-            </a:pPr>
-            <a:r>
-              <a:rPr lang="en-US" sz="1400" b="1" dirty="0">
-                <a:hlinkClick r:id="rId12"/>
-              </a:rPr>
-              <a:t>Section 508 ICT Testing Baseline for Web</a:t>
-            </a:r>
-            <a:r>
-              <a:rPr lang="en-US" sz="1400" dirty="0"/>
-              <a:t> - This Baseline identifies the minimum requirements of any test process used to determine conformance of web content with the Revised Section 508 of the Rehabilitation Act of 1973, as amended (29 U.S.C. 794d).</a:t>
-            </a:r>
-          </a:p>
-          <a:p>
-            <a:pPr marL="285750" indent="-285750" algn="l">
-              <a:buFont typeface="Arial" panose="020B0604020202020204" pitchFamily="34" charset="0"/>
-              <a:buChar char="•"/>
-            </a:pPr>
-            <a:r>
-              <a:rPr lang="en-US" sz="1400" b="1" dirty="0">
-                <a:hlinkClick r:id="rId13"/>
-              </a:rPr>
-              <a:t>Trusted Tester: Section 508 Conformance Test Process for Web</a:t>
-            </a:r>
-            <a:r>
-              <a:rPr lang="en-US" sz="1400" dirty="0"/>
-              <a:t> – A standardized approach for manual inspection of web content for conformance with the revised Section 508 Standards.</a:t>
-            </a:r>
-          </a:p>
-          <a:p>
-            <a:pPr marL="285750" indent="-285750" algn="l">
-              <a:buFont typeface="Arial" panose="020B0604020202020204" pitchFamily="34" charset="0"/>
-              <a:buChar char="•"/>
-            </a:pPr>
-            <a:r>
-              <a:rPr lang="en-US" sz="1400" b="1" dirty="0">
-                <a:hlinkClick r:id="rId14"/>
-              </a:rPr>
-              <a:t>IT Accessibility Laws and Policies | Policy &amp; Management | Section508.gov</a:t>
-            </a:r>
-            <a:r>
-              <a:rPr lang="en-US" sz="1400" dirty="0"/>
-              <a:t> – A page maintained by the GSA that provides information on some Accessibility related laws and policies</a:t>
-            </a:r>
-          </a:p>
-          <a:p>
-            <a:pPr marL="285750" indent="-285750" algn="l">
-              <a:buFont typeface="Arial" panose="020B0604020202020204" pitchFamily="34" charset="0"/>
-              <a:buChar char="•"/>
-            </a:pPr>
-            <a:r>
-              <a:rPr lang="en-US" sz="1400" b="1" dirty="0">
-                <a:hlinkClick r:id="rId15"/>
-              </a:rPr>
-              <a:t>Web Accessibility Laws &amp; Policies | WAI | W3C</a:t>
-            </a:r>
-            <a:r>
-              <a:rPr lang="en-US" sz="1400" b="1" dirty="0"/>
-              <a:t> </a:t>
-            </a:r>
-            <a:r>
-              <a:rPr lang="en-US" sz="1400" dirty="0"/>
-              <a:t>– Lists some United States governmental policies, regulations, and standards related to web accessibility.</a:t>
-            </a:r>
-          </a:p>
-        </p:txBody>
-      </p:sp>
-    </p:spTree>
-    <p:extLst>
-      <p:ext uri="{BB962C8B-B14F-4D97-AF65-F5344CB8AC3E}">
-        <p14:creationId xmlns:p14="http://schemas.microsoft.com/office/powerpoint/2010/main" val="2814559039"/>
-      </p:ext>
-    </p:extLst>
   </p:cSld>
   <p:clrMapOvr>
     <a:masterClrMapping/>
@@ -21548,12 +21848,12 @@
 </file>
 
 <file path=customXml/item1.xml><?xml version="1.0" encoding="utf-8"?>
-<p:properties xmlns:p="http://schemas.microsoft.com/office/2006/metadata/properties" xmlns:xsi="http://www.w3.org/2001/XMLSchema-instance" xmlns:pc="http://schemas.microsoft.com/office/infopath/2007/PartnerControls">
-  <documentManagement>
-    <Status xmlns="71af3243-3dd4-4a8d-8c0d-dd76da1f02a5">Not started</Status>
-    <MediaServiceKeyPoints xmlns="71af3243-3dd4-4a8d-8c0d-dd76da1f02a5" xsi:nil="true"/>
-  </documentManagement>
-</p:properties>
+<?mso-contentType ?>
+<FormTemplates xmlns="http://schemas.microsoft.com/sharepoint/v3/contenttype/forms">
+  <Display>DocumentLibraryForm</Display>
+  <Edit>DocumentLibraryForm</Edit>
+  <New>DocumentLibraryForm</New>
+</FormTemplates>
 </file>
 
 <file path=customXml/item2.xml><?xml version="1.0" encoding="utf-8"?>
@@ -21778,20 +22078,18 @@
 </file>
 
 <file path=customXml/item3.xml><?xml version="1.0" encoding="utf-8"?>
-<?mso-contentType ?>
-<FormTemplates xmlns="http://schemas.microsoft.com/sharepoint/v3/contenttype/forms">
-  <Display>DocumentLibraryForm</Display>
-  <Edit>DocumentLibraryForm</Edit>
-  <New>DocumentLibraryForm</New>
-</FormTemplates>
+<p:properties xmlns:p="http://schemas.microsoft.com/office/2006/metadata/properties" xmlns:xsi="http://www.w3.org/2001/XMLSchema-instance" xmlns:pc="http://schemas.microsoft.com/office/infopath/2007/PartnerControls">
+  <documentManagement>
+    <Status xmlns="71af3243-3dd4-4a8d-8c0d-dd76da1f02a5">Not started</Status>
+    <MediaServiceKeyPoints xmlns="71af3243-3dd4-4a8d-8c0d-dd76da1f02a5" xsi:nil="true"/>
+  </documentManagement>
+</p:properties>
 </file>
 
 <file path=customXml/itemProps1.xml><?xml version="1.0" encoding="utf-8"?>
-<ds:datastoreItem xmlns:ds="http://schemas.openxmlformats.org/officeDocument/2006/customXml" ds:itemID="{BD4119F0-3CE7-4464-96A2-DC738A807A4F}">
+<ds:datastoreItem xmlns:ds="http://schemas.openxmlformats.org/officeDocument/2006/customXml" ds:itemID="{6D318041-50D7-4E47-9BD9-FE885E42AC67}">
   <ds:schemaRefs>
-    <ds:schemaRef ds:uri="http://schemas.microsoft.com/office/2006/metadata/properties"/>
-    <ds:schemaRef ds:uri="http://schemas.microsoft.com/office/infopath/2007/PartnerControls"/>
-    <ds:schemaRef ds:uri="71af3243-3dd4-4a8d-8c0d-dd76da1f02a5"/>
+    <ds:schemaRef ds:uri="http://schemas.microsoft.com/sharepoint/v3/contenttype/forms"/>
   </ds:schemaRefs>
 </ds:datastoreItem>
 </file>
@@ -21816,9 +22114,11 @@
 </file>
 
 <file path=customXml/itemProps3.xml><?xml version="1.0" encoding="utf-8"?>
-<ds:datastoreItem xmlns:ds="http://schemas.openxmlformats.org/officeDocument/2006/customXml" ds:itemID="{6D318041-50D7-4E47-9BD9-FE885E42AC67}">
+<ds:datastoreItem xmlns:ds="http://schemas.openxmlformats.org/officeDocument/2006/customXml" ds:itemID="{BD4119F0-3CE7-4464-96A2-DC738A807A4F}">
   <ds:schemaRefs>
-    <ds:schemaRef ds:uri="http://schemas.microsoft.com/sharepoint/v3/contenttype/forms"/>
+    <ds:schemaRef ds:uri="http://schemas.microsoft.com/office/2006/metadata/properties"/>
+    <ds:schemaRef ds:uri="http://schemas.microsoft.com/office/infopath/2007/PartnerControls"/>
+    <ds:schemaRef ds:uri="71af3243-3dd4-4a8d-8c0d-dd76da1f02a5"/>
   </ds:schemaRefs>
 </ds:datastoreItem>
 </file>